--- a/Brainstorming/Zwischenpräsentation/Zwischenpräsentation_final.pptx
+++ b/Brainstorming/Zwischenpräsentation/Zwischenpräsentation_final.pptx
@@ -11,9 +11,10 @@
     <p:sldId id="275" r:id="rId5"/>
     <p:sldId id="276" r:id="rId6"/>
     <p:sldId id="277" r:id="rId7"/>
-    <p:sldId id="278" r:id="rId8"/>
-    <p:sldId id="279" r:id="rId9"/>
-    <p:sldId id="280" r:id="rId10"/>
+    <p:sldId id="281" r:id="rId8"/>
+    <p:sldId id="278" r:id="rId9"/>
+    <p:sldId id="279" r:id="rId10"/>
+    <p:sldId id="280" r:id="rId11"/>
   </p:sldIdLst>
   <p:sldSz cx="12192000" cy="6858000"/>
   <p:notesSz cx="6858000" cy="9144000"/>
@@ -267,7 +268,7 @@
           <a:p>
             <a:fld id="{24884690-A043-4FCB-87D3-F17411ACC32B}" type="datetimeFigureOut">
               <a:rPr lang="de-DE" smtClean="0"/>
-              <a:t>26.11.2023</a:t>
+              <a:t>15.12.2023</a:t>
             </a:fld>
             <a:endParaRPr lang="de-DE"/>
           </a:p>
@@ -321,7 +322,7 @@
           <a:p>
             <a:fld id="{DE761232-3D0D-4A23-A9E3-8D8407EC4F9D}" type="slidenum">
               <a:rPr lang="de-DE" smtClean="0"/>
-              <a:t>‹Nr.›</a:t>
+              <a:t>‹#›</a:t>
             </a:fld>
             <a:endParaRPr lang="de-DE"/>
           </a:p>
@@ -465,7 +466,7 @@
           <a:p>
             <a:fld id="{24884690-A043-4FCB-87D3-F17411ACC32B}" type="datetimeFigureOut">
               <a:rPr lang="de-DE" smtClean="0"/>
-              <a:t>26.11.2023</a:t>
+              <a:t>15.12.2023</a:t>
             </a:fld>
             <a:endParaRPr lang="de-DE"/>
           </a:p>
@@ -519,7 +520,7 @@
           <a:p>
             <a:fld id="{DE761232-3D0D-4A23-A9E3-8D8407EC4F9D}" type="slidenum">
               <a:rPr lang="de-DE" smtClean="0"/>
-              <a:t>‹Nr.›</a:t>
+              <a:t>‹#›</a:t>
             </a:fld>
             <a:endParaRPr lang="de-DE"/>
           </a:p>
@@ -673,7 +674,7 @@
           <a:p>
             <a:fld id="{24884690-A043-4FCB-87D3-F17411ACC32B}" type="datetimeFigureOut">
               <a:rPr lang="de-DE" smtClean="0"/>
-              <a:t>26.11.2023</a:t>
+              <a:t>15.12.2023</a:t>
             </a:fld>
             <a:endParaRPr lang="de-DE"/>
           </a:p>
@@ -727,7 +728,7 @@
           <a:p>
             <a:fld id="{DE761232-3D0D-4A23-A9E3-8D8407EC4F9D}" type="slidenum">
               <a:rPr lang="de-DE" smtClean="0"/>
-              <a:t>‹Nr.›</a:t>
+              <a:t>‹#›</a:t>
             </a:fld>
             <a:endParaRPr lang="de-DE"/>
           </a:p>
@@ -1026,7 +1027,7 @@
             <a:fld id="{629E1D32-139B-4C55-A3C3-B5F4791988C6}" type="slidenum">
               <a:rPr lang="de-DE" smtClean="0"/>
               <a:pPr/>
-              <a:t>‹Nr.›</a:t>
+              <a:t>‹#›</a:t>
             </a:fld>
             <a:endParaRPr lang="de-DE" dirty="0"/>
           </a:p>
@@ -1261,7 +1262,7 @@
           <a:p>
             <a:fld id="{24884690-A043-4FCB-87D3-F17411ACC32B}" type="datetimeFigureOut">
               <a:rPr lang="de-DE" smtClean="0"/>
-              <a:t>26.11.2023</a:t>
+              <a:t>15.12.2023</a:t>
             </a:fld>
             <a:endParaRPr lang="de-DE"/>
           </a:p>
@@ -1315,7 +1316,7 @@
           <a:p>
             <a:fld id="{DE761232-3D0D-4A23-A9E3-8D8407EC4F9D}" type="slidenum">
               <a:rPr lang="de-DE" smtClean="0"/>
-              <a:t>‹Nr.›</a:t>
+              <a:t>‹#›</a:t>
             </a:fld>
             <a:endParaRPr lang="de-DE"/>
           </a:p>
@@ -1536,7 +1537,7 @@
           <a:p>
             <a:fld id="{24884690-A043-4FCB-87D3-F17411ACC32B}" type="datetimeFigureOut">
               <a:rPr lang="de-DE" smtClean="0"/>
-              <a:t>26.11.2023</a:t>
+              <a:t>15.12.2023</a:t>
             </a:fld>
             <a:endParaRPr lang="de-DE"/>
           </a:p>
@@ -1590,7 +1591,7 @@
           <a:p>
             <a:fld id="{DE761232-3D0D-4A23-A9E3-8D8407EC4F9D}" type="slidenum">
               <a:rPr lang="de-DE" smtClean="0"/>
-              <a:t>‹Nr.›</a:t>
+              <a:t>‹#›</a:t>
             </a:fld>
             <a:endParaRPr lang="de-DE"/>
           </a:p>
@@ -1801,7 +1802,7 @@
           <a:p>
             <a:fld id="{24884690-A043-4FCB-87D3-F17411ACC32B}" type="datetimeFigureOut">
               <a:rPr lang="de-DE" smtClean="0"/>
-              <a:t>26.11.2023</a:t>
+              <a:t>15.12.2023</a:t>
             </a:fld>
             <a:endParaRPr lang="de-DE"/>
           </a:p>
@@ -1855,7 +1856,7 @@
           <a:p>
             <a:fld id="{DE761232-3D0D-4A23-A9E3-8D8407EC4F9D}" type="slidenum">
               <a:rPr lang="de-DE" smtClean="0"/>
-              <a:t>‹Nr.›</a:t>
+              <a:t>‹#›</a:t>
             </a:fld>
             <a:endParaRPr lang="de-DE"/>
           </a:p>
@@ -2213,7 +2214,7 @@
           <a:p>
             <a:fld id="{24884690-A043-4FCB-87D3-F17411ACC32B}" type="datetimeFigureOut">
               <a:rPr lang="de-DE" smtClean="0"/>
-              <a:t>26.11.2023</a:t>
+              <a:t>15.12.2023</a:t>
             </a:fld>
             <a:endParaRPr lang="de-DE"/>
           </a:p>
@@ -2267,7 +2268,7 @@
           <a:p>
             <a:fld id="{DE761232-3D0D-4A23-A9E3-8D8407EC4F9D}" type="slidenum">
               <a:rPr lang="de-DE" smtClean="0"/>
-              <a:t>‹Nr.›</a:t>
+              <a:t>‹#›</a:t>
             </a:fld>
             <a:endParaRPr lang="de-DE"/>
           </a:p>
@@ -2354,7 +2355,7 @@
           <a:p>
             <a:fld id="{24884690-A043-4FCB-87D3-F17411ACC32B}" type="datetimeFigureOut">
               <a:rPr lang="de-DE" smtClean="0"/>
-              <a:t>26.11.2023</a:t>
+              <a:t>15.12.2023</a:t>
             </a:fld>
             <a:endParaRPr lang="de-DE"/>
           </a:p>
@@ -2408,7 +2409,7 @@
           <a:p>
             <a:fld id="{DE761232-3D0D-4A23-A9E3-8D8407EC4F9D}" type="slidenum">
               <a:rPr lang="de-DE" smtClean="0"/>
-              <a:t>‹Nr.›</a:t>
+              <a:t>‹#›</a:t>
             </a:fld>
             <a:endParaRPr lang="de-DE"/>
           </a:p>
@@ -2467,7 +2468,7 @@
           <a:p>
             <a:fld id="{24884690-A043-4FCB-87D3-F17411ACC32B}" type="datetimeFigureOut">
               <a:rPr lang="de-DE" smtClean="0"/>
-              <a:t>26.11.2023</a:t>
+              <a:t>15.12.2023</a:t>
             </a:fld>
             <a:endParaRPr lang="de-DE"/>
           </a:p>
@@ -2521,7 +2522,7 @@
           <a:p>
             <a:fld id="{DE761232-3D0D-4A23-A9E3-8D8407EC4F9D}" type="slidenum">
               <a:rPr lang="de-DE" smtClean="0"/>
-              <a:t>‹Nr.›</a:t>
+              <a:t>‹#›</a:t>
             </a:fld>
             <a:endParaRPr lang="de-DE"/>
           </a:p>
@@ -2778,7 +2779,7 @@
           <a:p>
             <a:fld id="{24884690-A043-4FCB-87D3-F17411ACC32B}" type="datetimeFigureOut">
               <a:rPr lang="de-DE" smtClean="0"/>
-              <a:t>26.11.2023</a:t>
+              <a:t>15.12.2023</a:t>
             </a:fld>
             <a:endParaRPr lang="de-DE"/>
           </a:p>
@@ -2832,7 +2833,7 @@
           <a:p>
             <a:fld id="{DE761232-3D0D-4A23-A9E3-8D8407EC4F9D}" type="slidenum">
               <a:rPr lang="de-DE" smtClean="0"/>
-              <a:t>‹Nr.›</a:t>
+              <a:t>‹#›</a:t>
             </a:fld>
             <a:endParaRPr lang="de-DE"/>
           </a:p>
@@ -3066,7 +3067,7 @@
           <a:p>
             <a:fld id="{24884690-A043-4FCB-87D3-F17411ACC32B}" type="datetimeFigureOut">
               <a:rPr lang="de-DE" smtClean="0"/>
-              <a:t>26.11.2023</a:t>
+              <a:t>15.12.2023</a:t>
             </a:fld>
             <a:endParaRPr lang="de-DE"/>
           </a:p>
@@ -3120,7 +3121,7 @@
           <a:p>
             <a:fld id="{DE761232-3D0D-4A23-A9E3-8D8407EC4F9D}" type="slidenum">
               <a:rPr lang="de-DE" smtClean="0"/>
-              <a:t>‹Nr.›</a:t>
+              <a:t>‹#›</a:t>
             </a:fld>
             <a:endParaRPr lang="de-DE"/>
           </a:p>
@@ -3307,7 +3308,7 @@
           <a:p>
             <a:fld id="{24884690-A043-4FCB-87D3-F17411ACC32B}" type="datetimeFigureOut">
               <a:rPr lang="de-DE" smtClean="0"/>
-              <a:t>26.11.2023</a:t>
+              <a:t>15.12.2023</a:t>
             </a:fld>
             <a:endParaRPr lang="de-DE"/>
           </a:p>
@@ -3397,7 +3398,7 @@
           <a:p>
             <a:fld id="{DE761232-3D0D-4A23-A9E3-8D8407EC4F9D}" type="slidenum">
               <a:rPr lang="de-DE" smtClean="0"/>
-              <a:t>‹Nr.›</a:t>
+              <a:t>‹#›</a:t>
             </a:fld>
             <a:endParaRPr lang="de-DE"/>
           </a:p>
@@ -3831,7 +3832,7 @@
 </p:sld>
 </file>
 
-<file path=ppt/slides/slide2.xml><?xml version="1.0" encoding="utf-8"?>
+<file path=ppt/slides/slide10.xml><?xml version="1.0" encoding="utf-8"?>
 <p:sld xmlns:a="http://schemas.openxmlformats.org/drawingml/2006/main" xmlns:r="http://schemas.openxmlformats.org/officeDocument/2006/relationships" xmlns:p="http://schemas.openxmlformats.org/presentationml/2006/main">
   <p:cSld>
     <p:spTree>
@@ -3900,7 +3901,7 @@
             <a:fld id="{629E1D32-139B-4C55-A3C3-B5F4791988C6}" type="slidenum">
               <a:rPr lang="de-DE" smtClean="0"/>
               <a:pPr/>
-              <a:t>2</a:t>
+              <a:t>10</a:t>
             </a:fld>
             <a:endParaRPr lang="de-DE" dirty="0"/>
           </a:p>
@@ -3920,7 +3921,7 @@
         </p:nvSpPr>
         <p:spPr>
           <a:xfrm>
-            <a:off x="720000" y="144379"/>
+            <a:off x="720000" y="156670"/>
             <a:ext cx="8664632" cy="923330"/>
           </a:xfrm>
           <a:prstGeom prst="rect">
@@ -3936,7 +3937,7 @@
           <a:p>
             <a:r>
               <a:rPr lang="de-DE" sz="5400" dirty="0"/>
-              <a:t>Ziele der Arbeit</a:t>
+              <a:t>Quellen</a:t>
             </a:r>
           </a:p>
         </p:txBody>
@@ -4133,28 +4134,65 @@
           <a:p>
             <a:r>
               <a:rPr lang="de-DE" dirty="0"/>
-              <a:t>Wieso sind einige Datenkompressionsverfahren für </a:t>
-            </a:r>
-            <a:r>
-              <a:rPr lang="de-DE" b="1" dirty="0"/>
-              <a:t>Bilddaten</a:t>
-            </a:r>
+              <a:t>W3C Algorithmus Spezifikationen</a:t>
+            </a:r>
+          </a:p>
+          <a:p>
+            <a:endParaRPr lang="de-DE" dirty="0"/>
+          </a:p>
+          <a:p>
+            <a:pPr marL="0" indent="0">
+              <a:buNone/>
+            </a:pPr>
             <a:r>
               <a:rPr lang="de-DE" dirty="0"/>
-              <a:t> gut geeignet und andere nicht?</a:t>
-            </a:r>
-          </a:p>
-          <a:p>
-            <a:r>
-              <a:rPr lang="de-DE" dirty="0"/>
-              <a:t>Versuch: </a:t>
-            </a:r>
-            <a:br>
-              <a:rPr lang="de-DE" dirty="0"/>
-            </a:br>
-            <a:r>
-              <a:rPr lang="de-DE" dirty="0"/>
-              <a:t>Implementierung verschiedener Kompressionsverfahren Vergleich mit verschiedenen Bildern</a:t>
+              <a:t>Informationstheorie:</a:t>
+            </a:r>
+          </a:p>
+          <a:p>
+            <a:r>
+              <a:rPr lang="de-DE" i="1" dirty="0">
+                <a:solidFill>
+                  <a:srgbClr val="202122"/>
+                </a:solidFill>
+              </a:rPr>
+              <a:t>Informations- und Codierungstheorie. Mathematische Grundlagen der Daten-Kompression und -Sicherung in diskreten Kommunikationssystemen. </a:t>
+            </a:r>
+            <a:r>
+              <a:rPr lang="de-DE" dirty="0">
+                <a:solidFill>
+                  <a:srgbClr val="202122"/>
+                </a:solidFill>
+              </a:rPr>
+              <a:t>(</a:t>
+            </a:r>
+            <a:r>
+              <a:rPr lang="de-DE" sz="2400" b="0" dirty="0">
+                <a:solidFill>
+                  <a:srgbClr val="202122"/>
+                </a:solidFill>
+                <a:effectLst/>
+                <a:latin typeface="Arial" panose="020B0604020202020204" pitchFamily="34" charset="0"/>
+              </a:rPr>
+              <a:t>Werner Heise, Pasquale </a:t>
+            </a:r>
+            <a:r>
+              <a:rPr lang="de-DE" sz="2400" b="0" dirty="0" err="1">
+                <a:solidFill>
+                  <a:srgbClr val="202122"/>
+                </a:solidFill>
+                <a:effectLst/>
+                <a:latin typeface="Arial" panose="020B0604020202020204" pitchFamily="34" charset="0"/>
+              </a:rPr>
+              <a:t>Quattrocchi</a:t>
+            </a:r>
+            <a:r>
+              <a:rPr lang="de-DE" dirty="0">
+                <a:solidFill>
+                  <a:srgbClr val="202122"/>
+                </a:solidFill>
+              </a:rPr>
+              <a:t>)</a:t>
             </a:r>
           </a:p>
         </p:txBody>
@@ -4162,7 +4200,7 @@
     </p:spTree>
     <p:extLst>
       <p:ext uri="{BB962C8B-B14F-4D97-AF65-F5344CB8AC3E}">
-        <p14:creationId xmlns:p14="http://schemas.microsoft.com/office/powerpoint/2010/main" val="1667945402"/>
+        <p14:creationId xmlns:p14="http://schemas.microsoft.com/office/powerpoint/2010/main" val="1151055018"/>
       </p:ext>
     </p:extLst>
   </p:cSld>
@@ -4172,7 +4210,7 @@
 </p:sld>
 </file>
 
-<file path=ppt/slides/slide3.xml><?xml version="1.0" encoding="utf-8"?>
+<file path=ppt/slides/slide2.xml><?xml version="1.0" encoding="utf-8"?>
 <p:sld xmlns:a="http://schemas.openxmlformats.org/drawingml/2006/main" xmlns:r="http://schemas.openxmlformats.org/officeDocument/2006/relationships" xmlns:p="http://schemas.openxmlformats.org/presentationml/2006/main">
   <p:cSld>
     <p:spTree>
@@ -4241,7 +4279,7 @@
             <a:fld id="{629E1D32-139B-4C55-A3C3-B5F4791988C6}" type="slidenum">
               <a:rPr lang="de-DE" smtClean="0"/>
               <a:pPr/>
-              <a:t>3</a:t>
+              <a:t>2</a:t>
             </a:fld>
             <a:endParaRPr lang="de-DE" dirty="0"/>
           </a:p>
@@ -4277,7 +4315,7 @@
           <a:p>
             <a:r>
               <a:rPr lang="de-DE" sz="5400" dirty="0"/>
-              <a:t>Gliederung</a:t>
+              <a:t>Ziele der Arbeit</a:t>
             </a:r>
           </a:p>
         </p:txBody>
@@ -4474,43 +4512,28 @@
           <a:p>
             <a:r>
               <a:rPr lang="de-DE" dirty="0"/>
-              <a:t>Datenkompression allgemein</a:t>
-            </a:r>
-          </a:p>
-          <a:p>
+              <a:t>Wieso sind einige Datenkompressionsverfahren für </a:t>
+            </a:r>
+            <a:r>
+              <a:rPr lang="de-DE" b="1" dirty="0"/>
+              <a:t>Bilddaten</a:t>
+            </a:r>
             <a:r>
               <a:rPr lang="de-DE" dirty="0"/>
-              <a:t>Vorstellung der Kompressionsverfahren</a:t>
+              <a:t> gut geeignet und andere nicht?</a:t>
             </a:r>
           </a:p>
           <a:p>
             <a:r>
               <a:rPr lang="de-DE" dirty="0"/>
-              <a:t>Messbarkeit definieren</a:t>
-            </a:r>
-          </a:p>
-          <a:p>
-            <a:r>
+              <a:t>Versuch: </a:t>
+            </a:r>
+            <a:br>
               <a:rPr lang="de-DE" dirty="0"/>
-              <a:t>Theoretischer Vergleich der Kompressionsverfahren (Erwartungen)</a:t>
-            </a:r>
-          </a:p>
-          <a:p>
+            </a:br>
             <a:r>
               <a:rPr lang="de-DE" dirty="0"/>
-              <a:t>Versuch</a:t>
-            </a:r>
-          </a:p>
-          <a:p>
-            <a:r>
-              <a:rPr lang="de-DE" dirty="0"/>
-              <a:t>Interpretation der Ergebnisse</a:t>
-            </a:r>
-          </a:p>
-          <a:p>
-            <a:r>
-              <a:rPr lang="de-DE" dirty="0"/>
-              <a:t>Fazit: Was ist entscheidend, damit ein Kompressionsalgorithmus Bilddaten „gut“ komprimieren kann</a:t>
+              <a:t>Implementierung verschiedener Kompressionsverfahren Vergleich mit verschiedenen Bildern</a:t>
             </a:r>
           </a:p>
         </p:txBody>
@@ -4518,7 +4541,7 @@
     </p:spTree>
     <p:extLst>
       <p:ext uri="{BB962C8B-B14F-4D97-AF65-F5344CB8AC3E}">
-        <p14:creationId xmlns:p14="http://schemas.microsoft.com/office/powerpoint/2010/main" val="21500782"/>
+        <p14:creationId xmlns:p14="http://schemas.microsoft.com/office/powerpoint/2010/main" val="1667945402"/>
       </p:ext>
     </p:extLst>
   </p:cSld>
@@ -4528,7 +4551,7 @@
 </p:sld>
 </file>
 
-<file path=ppt/slides/slide4.xml><?xml version="1.0" encoding="utf-8"?>
+<file path=ppt/slides/slide3.xml><?xml version="1.0" encoding="utf-8"?>
 <p:sld xmlns:a="http://schemas.openxmlformats.org/drawingml/2006/main" xmlns:r="http://schemas.openxmlformats.org/officeDocument/2006/relationships" xmlns:p="http://schemas.openxmlformats.org/presentationml/2006/main">
   <p:cSld>
     <p:spTree>
@@ -4597,7 +4620,7 @@
             <a:fld id="{629E1D32-139B-4C55-A3C3-B5F4791988C6}" type="slidenum">
               <a:rPr lang="de-DE" smtClean="0"/>
               <a:pPr/>
-              <a:t>4</a:t>
+              <a:t>3</a:t>
             </a:fld>
             <a:endParaRPr lang="de-DE" dirty="0"/>
           </a:p>
@@ -4633,7 +4656,7 @@
           <a:p>
             <a:r>
               <a:rPr lang="de-DE" sz="5400" dirty="0"/>
-              <a:t>Kompressionsverfahren</a:t>
+              <a:t>Gliederung</a:t>
             </a:r>
           </a:p>
         </p:txBody>
@@ -4829,60 +4852,44 @@
           </a:lstStyle>
           <a:p>
             <a:r>
-              <a:rPr lang="de-DE" dirty="0" err="1"/>
-              <a:t>Runlength</a:t>
-            </a:r>
-            <a:r>
               <a:rPr lang="de-DE" dirty="0"/>
-              <a:t>-Encoding (RLE)</a:t>
+              <a:t>Datenkompression allgemein</a:t>
             </a:r>
           </a:p>
           <a:p>
             <a:r>
               <a:rPr lang="de-DE" dirty="0"/>
-              <a:t>Huffman </a:t>
+              <a:t>Vorstellung der Kompressionsverfahren</a:t>
             </a:r>
           </a:p>
           <a:p>
             <a:r>
               <a:rPr lang="de-DE" dirty="0"/>
-              <a:t>LZ77</a:t>
-            </a:r>
-          </a:p>
-          <a:p>
-            <a:r>
-              <a:rPr lang="de-DE" dirty="0" err="1"/>
-              <a:t>Deflate</a:t>
-            </a:r>
+              <a:t>Messbarkeit definieren</a:t>
+            </a:r>
+          </a:p>
+          <a:p>
             <a:r>
               <a:rPr lang="de-DE" dirty="0"/>
-              <a:t>-Algorithmus: LZ77 + Huffman</a:t>
+              <a:t>Theoretischer Vergleich der Kompressionsverfahren (Erwartungen)</a:t>
             </a:r>
           </a:p>
           <a:p>
             <a:r>
               <a:rPr lang="de-DE" dirty="0"/>
-              <a:t>PNG: Filtern + </a:t>
-            </a:r>
-            <a:r>
-              <a:rPr lang="de-DE" dirty="0" err="1"/>
-              <a:t>Deflate</a:t>
-            </a:r>
+              <a:t>Versuch</a:t>
+            </a:r>
+          </a:p>
+          <a:p>
             <a:r>
               <a:rPr lang="de-DE" dirty="0"/>
-              <a:t>-Algorithmus</a:t>
-            </a:r>
-          </a:p>
-          <a:p>
-            <a:endParaRPr lang="de-DE" dirty="0"/>
-          </a:p>
-          <a:p>
-            <a:pPr marL="0" indent="0">
-              <a:buNone/>
-            </a:pPr>
+              <a:t>Interpretation der Ergebnisse</a:t>
+            </a:r>
+          </a:p>
+          <a:p>
             <a:r>
               <a:rPr lang="de-DE" dirty="0"/>
-              <a:t>Alle Kompressionsverfahren sind verlustfrei!</a:t>
+              <a:t>Fazit: Was ist entscheidend, damit ein Kompressionsalgorithmus Bilddaten „gut“ komprimieren kann</a:t>
             </a:r>
           </a:p>
         </p:txBody>
@@ -4890,7 +4897,7 @@
     </p:spTree>
     <p:extLst>
       <p:ext uri="{BB962C8B-B14F-4D97-AF65-F5344CB8AC3E}">
-        <p14:creationId xmlns:p14="http://schemas.microsoft.com/office/powerpoint/2010/main" val="986663036"/>
+        <p14:creationId xmlns:p14="http://schemas.microsoft.com/office/powerpoint/2010/main" val="21500782"/>
       </p:ext>
     </p:extLst>
   </p:cSld>
@@ -4900,7 +4907,7 @@
 </p:sld>
 </file>
 
-<file path=ppt/slides/slide5.xml><?xml version="1.0" encoding="utf-8"?>
+<file path=ppt/slides/slide4.xml><?xml version="1.0" encoding="utf-8"?>
 <p:sld xmlns:a="http://schemas.openxmlformats.org/drawingml/2006/main" xmlns:r="http://schemas.openxmlformats.org/officeDocument/2006/relationships" xmlns:p="http://schemas.openxmlformats.org/presentationml/2006/main">
   <p:cSld>
     <p:spTree>
@@ -4969,7 +4976,7 @@
             <a:fld id="{629E1D32-139B-4C55-A3C3-B5F4791988C6}" type="slidenum">
               <a:rPr lang="de-DE" smtClean="0"/>
               <a:pPr/>
-              <a:t>5</a:t>
+              <a:t>4</a:t>
             </a:fld>
             <a:endParaRPr lang="de-DE" dirty="0"/>
           </a:p>
@@ -4989,7 +4996,7 @@
         </p:nvSpPr>
         <p:spPr>
           <a:xfrm>
-            <a:off x="720000" y="156670"/>
+            <a:off x="720000" y="144379"/>
             <a:ext cx="8664632" cy="923330"/>
           </a:xfrm>
           <a:prstGeom prst="rect">
@@ -5005,7 +5012,7 @@
           <a:p>
             <a:r>
               <a:rPr lang="de-DE" sz="5400" dirty="0"/>
-              <a:t>Messbarkeit</a:t>
+              <a:t>Kompressionsverfahren</a:t>
             </a:r>
           </a:p>
         </p:txBody>
@@ -5200,36 +5207,61 @@
             </a:lvl9pPr>
           </a:lstStyle>
           <a:p>
+            <a:r>
+              <a:rPr lang="de-DE" dirty="0" err="1"/>
+              <a:t>Runlength</a:t>
+            </a:r>
+            <a:r>
+              <a:rPr lang="de-DE" dirty="0"/>
+              <a:t>-Encoding (RLE)</a:t>
+            </a:r>
+          </a:p>
+          <a:p>
+            <a:r>
+              <a:rPr lang="de-DE" dirty="0"/>
+              <a:t>Huffman </a:t>
+            </a:r>
+          </a:p>
+          <a:p>
+            <a:r>
+              <a:rPr lang="de-DE" dirty="0"/>
+              <a:t>LZ77</a:t>
+            </a:r>
+          </a:p>
+          <a:p>
+            <a:r>
+              <a:rPr lang="de-DE" dirty="0" err="1"/>
+              <a:t>Deflate</a:t>
+            </a:r>
+            <a:r>
+              <a:rPr lang="de-DE" dirty="0"/>
+              <a:t>-Algorithmus: LZ77 + Huffman</a:t>
+            </a:r>
+          </a:p>
+          <a:p>
+            <a:r>
+              <a:rPr lang="de-DE" dirty="0"/>
+              <a:t>PNG: Filtern + </a:t>
+            </a:r>
+            <a:r>
+              <a:rPr lang="de-DE" dirty="0" err="1"/>
+              <a:t>Deflate</a:t>
+            </a:r>
+            <a:r>
+              <a:rPr lang="de-DE" dirty="0"/>
+              <a:t>-Algorithmus</a:t>
+            </a:r>
+          </a:p>
+          <a:p>
+            <a:endParaRPr lang="de-DE" dirty="0"/>
+          </a:p>
+          <a:p>
             <a:pPr marL="0" indent="0">
               <a:buNone/>
             </a:pPr>
             <a:r>
               <a:rPr lang="de-DE" dirty="0"/>
-              <a:t>Wie gut ist ein Kompressionsverfahren?</a:t>
-            </a:r>
-          </a:p>
-          <a:p>
-            <a:pPr marL="0" indent="0">
-              <a:buNone/>
-            </a:pPr>
-            <a:endParaRPr lang="de-DE" dirty="0"/>
-          </a:p>
-          <a:p>
-            <a:r>
-              <a:rPr lang="de-DE" dirty="0"/>
-              <a:t>Kompressionsrate</a:t>
-            </a:r>
-          </a:p>
-          <a:p>
-            <a:r>
-              <a:rPr lang="de-DE" dirty="0"/>
-              <a:t>Kompressionsgeschwindigkeit, O-Notation</a:t>
-            </a:r>
-          </a:p>
-          <a:p>
-            <a:r>
-              <a:rPr lang="de-DE" dirty="0"/>
-              <a:t>Dekompressionsgeschwindigkeit</a:t>
+              <a:t>Alle Kompressionsverfahren sind verlustfrei!</a:t>
             </a:r>
           </a:p>
         </p:txBody>
@@ -5237,7 +5269,7 @@
     </p:spTree>
     <p:extLst>
       <p:ext uri="{BB962C8B-B14F-4D97-AF65-F5344CB8AC3E}">
-        <p14:creationId xmlns:p14="http://schemas.microsoft.com/office/powerpoint/2010/main" val="1260141268"/>
+        <p14:creationId xmlns:p14="http://schemas.microsoft.com/office/powerpoint/2010/main" val="986663036"/>
       </p:ext>
     </p:extLst>
   </p:cSld>
@@ -5247,7 +5279,7 @@
 </p:sld>
 </file>
 
-<file path=ppt/slides/slide6.xml><?xml version="1.0" encoding="utf-8"?>
+<file path=ppt/slides/slide5.xml><?xml version="1.0" encoding="utf-8"?>
 <p:sld xmlns:a="http://schemas.openxmlformats.org/drawingml/2006/main" xmlns:r="http://schemas.openxmlformats.org/officeDocument/2006/relationships" xmlns:p="http://schemas.openxmlformats.org/presentationml/2006/main">
   <p:cSld>
     <p:spTree>
@@ -5316,7 +5348,7 @@
             <a:fld id="{629E1D32-139B-4C55-A3C3-B5F4791988C6}" type="slidenum">
               <a:rPr lang="de-DE" smtClean="0"/>
               <a:pPr/>
-              <a:t>6</a:t>
+              <a:t>5</a:t>
             </a:fld>
             <a:endParaRPr lang="de-DE" dirty="0"/>
           </a:p>
@@ -5336,7 +5368,7 @@
         </p:nvSpPr>
         <p:spPr>
           <a:xfrm>
-            <a:off x="720000" y="144379"/>
+            <a:off x="720000" y="156670"/>
             <a:ext cx="8664632" cy="923330"/>
           </a:xfrm>
           <a:prstGeom prst="rect">
@@ -5352,890 +5384,7 @@
           <a:p>
             <a:r>
               <a:rPr lang="de-DE" sz="5400" dirty="0"/>
-              <a:t>Versuch</a:t>
-            </a:r>
-          </a:p>
-        </p:txBody>
-      </p:sp>
-      <p:pic>
-        <p:nvPicPr>
-          <p:cNvPr id="2" name="Grafik 1" descr="Ein Bild, das Vogel, Eisvogel, Wildleben, Schnabel enthält.&#10;&#10;Automatisch generierte Beschreibung">
-            <a:extLst>
-              <a:ext uri="{FF2B5EF4-FFF2-40B4-BE49-F238E27FC236}">
-                <a16:creationId xmlns:a16="http://schemas.microsoft.com/office/drawing/2014/main" id="{85D012AE-E701-DBC7-52C6-5FD6FFE6EB8B}"/>
-              </a:ext>
-            </a:extLst>
-          </p:cNvPr>
-          <p:cNvPicPr>
-            <a:picLocks noChangeAspect="1"/>
-          </p:cNvPicPr>
-          <p:nvPr/>
-        </p:nvPicPr>
-        <p:blipFill>
-          <a:blip r:embed="rId2">
-            <a:extLst>
-              <a:ext uri="{28A0092B-C50C-407E-A947-70E740481C1C}">
-                <a14:useLocalDpi xmlns:a14="http://schemas.microsoft.com/office/drawing/2010/main" val="0"/>
-              </a:ext>
-            </a:extLst>
-          </a:blip>
-          <a:stretch>
-            <a:fillRect/>
-          </a:stretch>
-        </p:blipFill>
-        <p:spPr>
-          <a:xfrm>
-            <a:off x="833733" y="2144468"/>
-            <a:ext cx="2562726" cy="1708484"/>
-          </a:xfrm>
-          <a:prstGeom prst="rect">
-            <a:avLst/>
-          </a:prstGeom>
-        </p:spPr>
-      </p:pic>
-      <p:sp>
-        <p:nvSpPr>
-          <p:cNvPr id="3" name="Pfeil: nach rechts 2">
-            <a:extLst>
-              <a:ext uri="{FF2B5EF4-FFF2-40B4-BE49-F238E27FC236}">
-                <a16:creationId xmlns:a16="http://schemas.microsoft.com/office/drawing/2014/main" id="{E4C77EB2-DA76-37B3-C465-E48DCFDDD510}"/>
-              </a:ext>
-            </a:extLst>
-          </p:cNvPr>
-          <p:cNvSpPr/>
-          <p:nvPr/>
-        </p:nvSpPr>
-        <p:spPr>
-          <a:xfrm>
-            <a:off x="3613164" y="2757764"/>
-            <a:ext cx="645459" cy="259976"/>
-          </a:xfrm>
-          <a:prstGeom prst="rightArrow">
-            <a:avLst/>
-          </a:prstGeom>
-        </p:spPr>
-        <p:style>
-          <a:lnRef idx="2">
-            <a:schemeClr val="dk1">
-              <a:shade val="15000"/>
-            </a:schemeClr>
-          </a:lnRef>
-          <a:fillRef idx="1">
-            <a:schemeClr val="dk1"/>
-          </a:fillRef>
-          <a:effectRef idx="0">
-            <a:schemeClr val="dk1"/>
-          </a:effectRef>
-          <a:fontRef idx="minor">
-            <a:schemeClr val="lt1"/>
-          </a:fontRef>
-        </p:style>
-        <p:txBody>
-          <a:bodyPr rtlCol="0" anchor="ctr"/>
-          <a:lstStyle/>
-          <a:p>
-            <a:pPr algn="ctr"/>
-            <a:endParaRPr lang="de-DE" dirty="0"/>
-          </a:p>
-        </p:txBody>
-      </p:sp>
-      <p:sp>
-        <p:nvSpPr>
-          <p:cNvPr id="7" name="Textfeld 6">
-            <a:extLst>
-              <a:ext uri="{FF2B5EF4-FFF2-40B4-BE49-F238E27FC236}">
-                <a16:creationId xmlns:a16="http://schemas.microsoft.com/office/drawing/2014/main" id="{858D19A5-220F-CC6D-2556-25EBD412B3A3}"/>
-              </a:ext>
-            </a:extLst>
-          </p:cNvPr>
-          <p:cNvSpPr txBox="1"/>
-          <p:nvPr/>
-        </p:nvSpPr>
-        <p:spPr>
-          <a:xfrm>
-            <a:off x="1070708" y="1664178"/>
-            <a:ext cx="2088777" cy="369332"/>
-          </a:xfrm>
-          <a:prstGeom prst="rect">
-            <a:avLst/>
-          </a:prstGeom>
-          <a:noFill/>
-          <a:ln>
-            <a:solidFill>
-              <a:schemeClr val="tx1"/>
-            </a:solidFill>
-          </a:ln>
-        </p:spPr>
-        <p:txBody>
-          <a:bodyPr wrap="square" rtlCol="0">
-            <a:spAutoFit/>
-          </a:bodyPr>
-          <a:lstStyle/>
-          <a:p>
-            <a:pPr algn="ctr"/>
-            <a:r>
-              <a:rPr lang="de-DE" dirty="0"/>
-              <a:t>Originalbild (RAW)</a:t>
-            </a:r>
-          </a:p>
-        </p:txBody>
-      </p:sp>
-      <p:pic>
-        <p:nvPicPr>
-          <p:cNvPr id="8" name="Grafik 7" descr="Ein Bild, das Text, Screenshot, Quadrat, Rechteck enthält.&#10;&#10;Automatisch generierte Beschreibung">
-            <a:extLst>
-              <a:ext uri="{FF2B5EF4-FFF2-40B4-BE49-F238E27FC236}">
-                <a16:creationId xmlns:a16="http://schemas.microsoft.com/office/drawing/2014/main" id="{32CD32A9-437D-0AD2-606D-EBB27E433AFB}"/>
-              </a:ext>
-            </a:extLst>
-          </p:cNvPr>
-          <p:cNvPicPr>
-            <a:picLocks noChangeAspect="1"/>
-          </p:cNvPicPr>
-          <p:nvPr/>
-        </p:nvPicPr>
-        <p:blipFill>
-          <a:blip r:embed="rId3">
-            <a:extLst>
-              <a:ext uri="{28A0092B-C50C-407E-A947-70E740481C1C}">
-                <a14:useLocalDpi xmlns:a14="http://schemas.microsoft.com/office/drawing/2010/main" val="0"/>
-              </a:ext>
-            </a:extLst>
-          </a:blip>
-          <a:stretch>
-            <a:fillRect/>
-          </a:stretch>
-        </p:blipFill>
-        <p:spPr>
-          <a:xfrm>
-            <a:off x="4475327" y="2033510"/>
-            <a:ext cx="2413000" cy="1930400"/>
-          </a:xfrm>
-          <a:prstGeom prst="rect">
-            <a:avLst/>
-          </a:prstGeom>
-        </p:spPr>
-      </p:pic>
-      <p:sp>
-        <p:nvSpPr>
-          <p:cNvPr id="10" name="Textfeld 9">
-            <a:extLst>
-              <a:ext uri="{FF2B5EF4-FFF2-40B4-BE49-F238E27FC236}">
-                <a16:creationId xmlns:a16="http://schemas.microsoft.com/office/drawing/2014/main" id="{94818510-6899-4FE6-7BEE-234B41A382D1}"/>
-              </a:ext>
-            </a:extLst>
-          </p:cNvPr>
-          <p:cNvSpPr txBox="1"/>
-          <p:nvPr/>
-        </p:nvSpPr>
-        <p:spPr>
-          <a:xfrm>
-            <a:off x="4637438" y="1664178"/>
-            <a:ext cx="2088777" cy="369332"/>
-          </a:xfrm>
-          <a:prstGeom prst="rect">
-            <a:avLst/>
-          </a:prstGeom>
-          <a:noFill/>
-          <a:ln>
-            <a:solidFill>
-              <a:schemeClr val="tx1"/>
-            </a:solidFill>
-          </a:ln>
-        </p:spPr>
-        <p:txBody>
-          <a:bodyPr wrap="square" rtlCol="0">
-            <a:spAutoFit/>
-          </a:bodyPr>
-          <a:lstStyle/>
-          <a:p>
-            <a:pPr algn="ctr"/>
-            <a:r>
-              <a:rPr lang="de-DE" dirty="0"/>
-              <a:t>RGB-Matrix</a:t>
-            </a:r>
-          </a:p>
-        </p:txBody>
-      </p:sp>
-      <p:sp>
-        <p:nvSpPr>
-          <p:cNvPr id="11" name="Pfeil: nach rechts 10">
-            <a:extLst>
-              <a:ext uri="{FF2B5EF4-FFF2-40B4-BE49-F238E27FC236}">
-                <a16:creationId xmlns:a16="http://schemas.microsoft.com/office/drawing/2014/main" id="{1FD7BCDE-522A-0689-CC70-A9E73EBD6607}"/>
-              </a:ext>
-            </a:extLst>
-          </p:cNvPr>
-          <p:cNvSpPr/>
-          <p:nvPr/>
-        </p:nvSpPr>
-        <p:spPr>
-          <a:xfrm>
-            <a:off x="7105031" y="2738734"/>
-            <a:ext cx="645459" cy="259976"/>
-          </a:xfrm>
-          <a:prstGeom prst="rightArrow">
-            <a:avLst/>
-          </a:prstGeom>
-        </p:spPr>
-        <p:style>
-          <a:lnRef idx="2">
-            <a:schemeClr val="dk1">
-              <a:shade val="15000"/>
-            </a:schemeClr>
-          </a:lnRef>
-          <a:fillRef idx="1">
-            <a:schemeClr val="dk1"/>
-          </a:fillRef>
-          <a:effectRef idx="0">
-            <a:schemeClr val="dk1"/>
-          </a:effectRef>
-          <a:fontRef idx="minor">
-            <a:schemeClr val="lt1"/>
-          </a:fontRef>
-        </p:style>
-        <p:txBody>
-          <a:bodyPr rtlCol="0" anchor="ctr"/>
-          <a:lstStyle/>
-          <a:p>
-            <a:pPr algn="ctr"/>
-            <a:endParaRPr lang="de-DE" dirty="0"/>
-          </a:p>
-        </p:txBody>
-      </p:sp>
-      <p:pic>
-        <p:nvPicPr>
-          <p:cNvPr id="12" name="Grafik 11" descr="Ein Bild, das Screenshot, Schrift, Grafiken, Farbigkeit enthält.&#10;&#10;Automatisch generierte Beschreibung">
-            <a:extLst>
-              <a:ext uri="{FF2B5EF4-FFF2-40B4-BE49-F238E27FC236}">
-                <a16:creationId xmlns:a16="http://schemas.microsoft.com/office/drawing/2014/main" id="{29B9C855-0897-A4D2-C32A-5C5CCE63C41E}"/>
-              </a:ext>
-            </a:extLst>
-          </p:cNvPr>
-          <p:cNvPicPr>
-            <a:picLocks noChangeAspect="1"/>
-          </p:cNvPicPr>
-          <p:nvPr/>
-        </p:nvPicPr>
-        <p:blipFill>
-          <a:blip r:embed="rId4">
-            <a:extLst>
-              <a:ext uri="{28A0092B-C50C-407E-A947-70E740481C1C}">
-                <a14:useLocalDpi xmlns:a14="http://schemas.microsoft.com/office/drawing/2010/main" val="0"/>
-              </a:ext>
-            </a:extLst>
-          </a:blip>
-          <a:stretch>
-            <a:fillRect/>
-          </a:stretch>
-        </p:blipFill>
-        <p:spPr>
-          <a:xfrm>
-            <a:off x="7967194" y="2671616"/>
-            <a:ext cx="3386606" cy="604431"/>
-          </a:xfrm>
-          <a:prstGeom prst="rect">
-            <a:avLst/>
-          </a:prstGeom>
-        </p:spPr>
-      </p:pic>
-      <p:sp>
-        <p:nvSpPr>
-          <p:cNvPr id="13" name="Textfeld 12">
-            <a:extLst>
-              <a:ext uri="{FF2B5EF4-FFF2-40B4-BE49-F238E27FC236}">
-                <a16:creationId xmlns:a16="http://schemas.microsoft.com/office/drawing/2014/main" id="{3518C984-8BFC-CEE2-EC3C-E0578347DD89}"/>
-              </a:ext>
-            </a:extLst>
-          </p:cNvPr>
-          <p:cNvSpPr txBox="1"/>
-          <p:nvPr/>
-        </p:nvSpPr>
-        <p:spPr>
-          <a:xfrm>
-            <a:off x="8517013" y="1664178"/>
-            <a:ext cx="2088777" cy="369332"/>
-          </a:xfrm>
-          <a:prstGeom prst="rect">
-            <a:avLst/>
-          </a:prstGeom>
-          <a:noFill/>
-          <a:ln>
-            <a:solidFill>
-              <a:schemeClr val="tx1"/>
-            </a:solidFill>
-          </a:ln>
-        </p:spPr>
-        <p:txBody>
-          <a:bodyPr wrap="square" rtlCol="0">
-            <a:spAutoFit/>
-          </a:bodyPr>
-          <a:lstStyle/>
-          <a:p>
-            <a:pPr algn="ctr"/>
-            <a:r>
-              <a:rPr lang="de-DE" dirty="0"/>
-              <a:t>RGB-Flat-Array</a:t>
-            </a:r>
-          </a:p>
-        </p:txBody>
-      </p:sp>
-      <p:sp>
-        <p:nvSpPr>
-          <p:cNvPr id="14" name="Pfeil: nach rechts 13">
-            <a:extLst>
-              <a:ext uri="{FF2B5EF4-FFF2-40B4-BE49-F238E27FC236}">
-                <a16:creationId xmlns:a16="http://schemas.microsoft.com/office/drawing/2014/main" id="{C3CC571F-727C-CA60-5262-EC0EBC1E4641}"/>
-              </a:ext>
-            </a:extLst>
-          </p:cNvPr>
-          <p:cNvSpPr/>
-          <p:nvPr/>
-        </p:nvSpPr>
-        <p:spPr>
-          <a:xfrm>
-            <a:off x="3763233" y="5052662"/>
-            <a:ext cx="645459" cy="259976"/>
-          </a:xfrm>
-          <a:prstGeom prst="rightArrow">
-            <a:avLst/>
-          </a:prstGeom>
-        </p:spPr>
-        <p:style>
-          <a:lnRef idx="2">
-            <a:schemeClr val="dk1">
-              <a:shade val="15000"/>
-            </a:schemeClr>
-          </a:lnRef>
-          <a:fillRef idx="1">
-            <a:schemeClr val="dk1"/>
-          </a:fillRef>
-          <a:effectRef idx="0">
-            <a:schemeClr val="dk1"/>
-          </a:effectRef>
-          <a:fontRef idx="minor">
-            <a:schemeClr val="lt1"/>
-          </a:fontRef>
-        </p:style>
-        <p:txBody>
-          <a:bodyPr rtlCol="0" anchor="ctr"/>
-          <a:lstStyle/>
-          <a:p>
-            <a:pPr algn="ctr"/>
-            <a:endParaRPr lang="de-DE" dirty="0"/>
-          </a:p>
-        </p:txBody>
-      </p:sp>
-      <p:sp>
-        <p:nvSpPr>
-          <p:cNvPr id="15" name="Textfeld 14">
-            <a:extLst>
-              <a:ext uri="{FF2B5EF4-FFF2-40B4-BE49-F238E27FC236}">
-                <a16:creationId xmlns:a16="http://schemas.microsoft.com/office/drawing/2014/main" id="{A190D9FD-9965-3CBD-3DC0-0EA8381058F4}"/>
-              </a:ext>
-            </a:extLst>
-          </p:cNvPr>
-          <p:cNvSpPr txBox="1"/>
-          <p:nvPr/>
-        </p:nvSpPr>
-        <p:spPr>
-          <a:xfrm>
-            <a:off x="3332537" y="4538870"/>
-            <a:ext cx="1512745" cy="369332"/>
-          </a:xfrm>
-          <a:prstGeom prst="rect">
-            <a:avLst/>
-          </a:prstGeom>
-          <a:noFill/>
-          <a:ln>
-            <a:solidFill>
-              <a:schemeClr val="tx1"/>
-            </a:solidFill>
-            <a:prstDash val="solid"/>
-          </a:ln>
-        </p:spPr>
-        <p:txBody>
-          <a:bodyPr wrap="square" rtlCol="0">
-            <a:spAutoFit/>
-          </a:bodyPr>
-          <a:lstStyle/>
-          <a:p>
-            <a:pPr algn="ctr"/>
-            <a:r>
-              <a:rPr lang="de-DE" dirty="0"/>
-              <a:t>Kompression</a:t>
-            </a:r>
-          </a:p>
-        </p:txBody>
-      </p:sp>
-      <p:sp>
-        <p:nvSpPr>
-          <p:cNvPr id="16" name="Textfeld 15">
-            <a:extLst>
-              <a:ext uri="{FF2B5EF4-FFF2-40B4-BE49-F238E27FC236}">
-                <a16:creationId xmlns:a16="http://schemas.microsoft.com/office/drawing/2014/main" id="{982A757E-0994-C896-A3CD-1674D0FB1C8C}"/>
-              </a:ext>
-            </a:extLst>
-          </p:cNvPr>
-          <p:cNvSpPr txBox="1"/>
-          <p:nvPr/>
-        </p:nvSpPr>
-        <p:spPr>
-          <a:xfrm>
-            <a:off x="5007974" y="5015038"/>
-            <a:ext cx="2088777" cy="369332"/>
-          </a:xfrm>
-          <a:prstGeom prst="rect">
-            <a:avLst/>
-          </a:prstGeom>
-          <a:solidFill>
-            <a:schemeClr val="bg1">
-              <a:lumMod val="95000"/>
-            </a:schemeClr>
-          </a:solidFill>
-          <a:ln>
-            <a:solidFill>
-              <a:schemeClr val="tx1"/>
-            </a:solidFill>
-          </a:ln>
-        </p:spPr>
-        <p:txBody>
-          <a:bodyPr wrap="square" rtlCol="0">
-            <a:spAutoFit/>
-          </a:bodyPr>
-          <a:lstStyle/>
-          <a:p>
-            <a:pPr algn="ctr"/>
-            <a:r>
-              <a:rPr lang="de-DE" dirty="0"/>
-              <a:t>Komprimiertes Bild</a:t>
-            </a:r>
-          </a:p>
-        </p:txBody>
-      </p:sp>
-      <p:sp>
-        <p:nvSpPr>
-          <p:cNvPr id="17" name="Pfeil: nach rechts 16">
-            <a:extLst>
-              <a:ext uri="{FF2B5EF4-FFF2-40B4-BE49-F238E27FC236}">
-                <a16:creationId xmlns:a16="http://schemas.microsoft.com/office/drawing/2014/main" id="{997E9829-52B9-B4C6-B019-5F51A24660F5}"/>
-              </a:ext>
-            </a:extLst>
-          </p:cNvPr>
-          <p:cNvSpPr/>
-          <p:nvPr/>
-        </p:nvSpPr>
-        <p:spPr>
-          <a:xfrm>
-            <a:off x="7696032" y="5083164"/>
-            <a:ext cx="645459" cy="259976"/>
-          </a:xfrm>
-          <a:prstGeom prst="rightArrow">
-            <a:avLst/>
-          </a:prstGeom>
-        </p:spPr>
-        <p:style>
-          <a:lnRef idx="2">
-            <a:schemeClr val="dk1">
-              <a:shade val="15000"/>
-            </a:schemeClr>
-          </a:lnRef>
-          <a:fillRef idx="1">
-            <a:schemeClr val="dk1"/>
-          </a:fillRef>
-          <a:effectRef idx="0">
-            <a:schemeClr val="dk1"/>
-          </a:effectRef>
-          <a:fontRef idx="minor">
-            <a:schemeClr val="lt1"/>
-          </a:fontRef>
-        </p:style>
-        <p:txBody>
-          <a:bodyPr rtlCol="0" anchor="ctr"/>
-          <a:lstStyle/>
-          <a:p>
-            <a:pPr algn="ctr"/>
-            <a:endParaRPr lang="de-DE" dirty="0"/>
-          </a:p>
-        </p:txBody>
-      </p:sp>
-      <p:sp>
-        <p:nvSpPr>
-          <p:cNvPr id="18" name="Textfeld 17">
-            <a:extLst>
-              <a:ext uri="{FF2B5EF4-FFF2-40B4-BE49-F238E27FC236}">
-                <a16:creationId xmlns:a16="http://schemas.microsoft.com/office/drawing/2014/main" id="{B19005F9-576E-D7BF-566B-3716C7D33A9B}"/>
-              </a:ext>
-            </a:extLst>
-          </p:cNvPr>
-          <p:cNvSpPr txBox="1"/>
-          <p:nvPr/>
-        </p:nvSpPr>
-        <p:spPr>
-          <a:xfrm>
-            <a:off x="7206542" y="4540818"/>
-            <a:ext cx="1624437" cy="369332"/>
-          </a:xfrm>
-          <a:prstGeom prst="rect">
-            <a:avLst/>
-          </a:prstGeom>
-          <a:noFill/>
-          <a:ln>
-            <a:solidFill>
-              <a:schemeClr val="tx1"/>
-            </a:solidFill>
-            <a:prstDash val="solid"/>
-          </a:ln>
-        </p:spPr>
-        <p:txBody>
-          <a:bodyPr wrap="square" rtlCol="0">
-            <a:spAutoFit/>
-          </a:bodyPr>
-          <a:lstStyle/>
-          <a:p>
-            <a:pPr algn="ctr"/>
-            <a:r>
-              <a:rPr lang="de-DE" dirty="0"/>
-              <a:t>Dekompression</a:t>
-            </a:r>
-          </a:p>
-        </p:txBody>
-      </p:sp>
-      <p:sp>
-        <p:nvSpPr>
-          <p:cNvPr id="19" name="Textfeld 18">
-            <a:extLst>
-              <a:ext uri="{FF2B5EF4-FFF2-40B4-BE49-F238E27FC236}">
-                <a16:creationId xmlns:a16="http://schemas.microsoft.com/office/drawing/2014/main" id="{C38FEE21-F641-C11A-9B9F-A6BC4605E458}"/>
-              </a:ext>
-            </a:extLst>
-          </p:cNvPr>
-          <p:cNvSpPr txBox="1"/>
-          <p:nvPr/>
-        </p:nvSpPr>
-        <p:spPr>
-          <a:xfrm>
-            <a:off x="8942216" y="5015038"/>
-            <a:ext cx="2217346" cy="369332"/>
-          </a:xfrm>
-          <a:prstGeom prst="rect">
-            <a:avLst/>
-          </a:prstGeom>
-          <a:solidFill>
-            <a:schemeClr val="bg1">
-              <a:lumMod val="95000"/>
-            </a:schemeClr>
-          </a:solidFill>
-          <a:ln>
-            <a:solidFill>
-              <a:schemeClr val="tx1"/>
-            </a:solidFill>
-          </a:ln>
-        </p:spPr>
-        <p:txBody>
-          <a:bodyPr wrap="square" rtlCol="0">
-            <a:spAutoFit/>
-          </a:bodyPr>
-          <a:lstStyle/>
-          <a:p>
-            <a:pPr algn="ctr"/>
-            <a:r>
-              <a:rPr lang="de-DE" dirty="0"/>
-              <a:t>Dekomprimiertes Bild</a:t>
-            </a:r>
-          </a:p>
-        </p:txBody>
-      </p:sp>
-      <p:sp>
-        <p:nvSpPr>
-          <p:cNvPr id="20" name="Textfeld 19">
-            <a:extLst>
-              <a:ext uri="{FF2B5EF4-FFF2-40B4-BE49-F238E27FC236}">
-                <a16:creationId xmlns:a16="http://schemas.microsoft.com/office/drawing/2014/main" id="{07C103E2-D30E-FC12-322A-4FA46EAFA008}"/>
-              </a:ext>
-            </a:extLst>
-          </p:cNvPr>
-          <p:cNvSpPr txBox="1"/>
-          <p:nvPr/>
-        </p:nvSpPr>
-        <p:spPr>
-          <a:xfrm>
-            <a:off x="1075175" y="4979768"/>
-            <a:ext cx="2088777" cy="369332"/>
-          </a:xfrm>
-          <a:prstGeom prst="rect">
-            <a:avLst/>
-          </a:prstGeom>
-          <a:solidFill>
-            <a:schemeClr val="bg1">
-              <a:lumMod val="95000"/>
-            </a:schemeClr>
-          </a:solidFill>
-          <a:ln>
-            <a:solidFill>
-              <a:schemeClr val="tx1"/>
-            </a:solidFill>
-          </a:ln>
-        </p:spPr>
-        <p:txBody>
-          <a:bodyPr wrap="square" rtlCol="0">
-            <a:spAutoFit/>
-          </a:bodyPr>
-          <a:lstStyle/>
-          <a:p>
-            <a:pPr algn="ctr"/>
-            <a:r>
-              <a:rPr lang="de-DE" dirty="0"/>
-              <a:t>RGB-Flat-Array</a:t>
-            </a:r>
-          </a:p>
-        </p:txBody>
-      </p:sp>
-      <p:sp>
-        <p:nvSpPr>
-          <p:cNvPr id="21" name="Textfeld 20">
-            <a:extLst>
-              <a:ext uri="{FF2B5EF4-FFF2-40B4-BE49-F238E27FC236}">
-                <a16:creationId xmlns:a16="http://schemas.microsoft.com/office/drawing/2014/main" id="{C8034705-FEE9-2F16-E955-3E4DBF33F7A8}"/>
-              </a:ext>
-            </a:extLst>
-          </p:cNvPr>
-          <p:cNvSpPr txBox="1"/>
-          <p:nvPr/>
-        </p:nvSpPr>
-        <p:spPr>
-          <a:xfrm>
-            <a:off x="3332538" y="5530526"/>
-            <a:ext cx="1512744" cy="369332"/>
-          </a:xfrm>
-          <a:prstGeom prst="rect">
-            <a:avLst/>
-          </a:prstGeom>
-          <a:noFill/>
-          <a:ln>
-            <a:solidFill>
-              <a:schemeClr val="tx1"/>
-            </a:solidFill>
-            <a:prstDash val="sysDot"/>
-          </a:ln>
-        </p:spPr>
-        <p:txBody>
-          <a:bodyPr wrap="square" rtlCol="0">
-            <a:spAutoFit/>
-          </a:bodyPr>
-          <a:lstStyle/>
-          <a:p>
-            <a:pPr algn="ctr"/>
-            <a:r>
-              <a:rPr lang="de-DE" dirty="0"/>
-              <a:t>Zeitmessung</a:t>
-            </a:r>
-          </a:p>
-        </p:txBody>
-      </p:sp>
-      <p:sp>
-        <p:nvSpPr>
-          <p:cNvPr id="22" name="Textfeld 21">
-            <a:extLst>
-              <a:ext uri="{FF2B5EF4-FFF2-40B4-BE49-F238E27FC236}">
-                <a16:creationId xmlns:a16="http://schemas.microsoft.com/office/drawing/2014/main" id="{7379ABE7-C2DC-1A2A-5785-1FFD39B25384}"/>
-              </a:ext>
-            </a:extLst>
-          </p:cNvPr>
-          <p:cNvSpPr txBox="1"/>
-          <p:nvPr/>
-        </p:nvSpPr>
-        <p:spPr>
-          <a:xfrm>
-            <a:off x="5007974" y="5530526"/>
-            <a:ext cx="2097057" cy="369332"/>
-          </a:xfrm>
-          <a:prstGeom prst="rect">
-            <a:avLst/>
-          </a:prstGeom>
-          <a:noFill/>
-          <a:ln>
-            <a:solidFill>
-              <a:schemeClr val="tx1"/>
-            </a:solidFill>
-            <a:prstDash val="sysDot"/>
-          </a:ln>
-        </p:spPr>
-        <p:txBody>
-          <a:bodyPr wrap="square" rtlCol="0">
-            <a:spAutoFit/>
-          </a:bodyPr>
-          <a:lstStyle/>
-          <a:p>
-            <a:pPr algn="ctr"/>
-            <a:r>
-              <a:rPr lang="de-DE" dirty="0"/>
-              <a:t>Kompressionsrate</a:t>
-            </a:r>
-          </a:p>
-        </p:txBody>
-      </p:sp>
-      <p:sp>
-        <p:nvSpPr>
-          <p:cNvPr id="23" name="Textfeld 22">
-            <a:extLst>
-              <a:ext uri="{FF2B5EF4-FFF2-40B4-BE49-F238E27FC236}">
-                <a16:creationId xmlns:a16="http://schemas.microsoft.com/office/drawing/2014/main" id="{D46119F8-A724-91FB-5280-5CEDA2946A33}"/>
-              </a:ext>
-            </a:extLst>
-          </p:cNvPr>
-          <p:cNvSpPr txBox="1"/>
-          <p:nvPr/>
-        </p:nvSpPr>
-        <p:spPr>
-          <a:xfrm>
-            <a:off x="7206542" y="5532198"/>
-            <a:ext cx="1624437" cy="369332"/>
-          </a:xfrm>
-          <a:prstGeom prst="rect">
-            <a:avLst/>
-          </a:prstGeom>
-          <a:noFill/>
-          <a:ln>
-            <a:solidFill>
-              <a:schemeClr val="tx1"/>
-            </a:solidFill>
-            <a:prstDash val="sysDot"/>
-          </a:ln>
-        </p:spPr>
-        <p:txBody>
-          <a:bodyPr wrap="square" rtlCol="0">
-            <a:spAutoFit/>
-          </a:bodyPr>
-          <a:lstStyle/>
-          <a:p>
-            <a:pPr algn="ctr"/>
-            <a:r>
-              <a:rPr lang="de-DE" dirty="0"/>
-              <a:t>Zeitmessung</a:t>
-            </a:r>
-          </a:p>
-        </p:txBody>
-      </p:sp>
-    </p:spTree>
-    <p:extLst>
-      <p:ext uri="{BB962C8B-B14F-4D97-AF65-F5344CB8AC3E}">
-        <p14:creationId xmlns:p14="http://schemas.microsoft.com/office/powerpoint/2010/main" val="2617031235"/>
-      </p:ext>
-    </p:extLst>
-  </p:cSld>
-  <p:clrMapOvr>
-    <a:masterClrMapping/>
-  </p:clrMapOvr>
-</p:sld>
-</file>
-
-<file path=ppt/slides/slide7.xml><?xml version="1.0" encoding="utf-8"?>
-<p:sld xmlns:a="http://schemas.openxmlformats.org/drawingml/2006/main" xmlns:r="http://schemas.openxmlformats.org/officeDocument/2006/relationships" xmlns:p="http://schemas.openxmlformats.org/presentationml/2006/main">
-  <p:cSld>
-    <p:spTree>
-      <p:nvGrpSpPr>
-        <p:cNvPr id="1" name=""/>
-        <p:cNvGrpSpPr/>
-        <p:nvPr/>
-      </p:nvGrpSpPr>
-      <p:grpSpPr>
-        <a:xfrm>
-          <a:off x="0" y="0"/>
-          <a:ext cx="0" cy="0"/>
-          <a:chOff x="0" y="0"/>
-          <a:chExt cx="0" cy="0"/>
-        </a:xfrm>
-      </p:grpSpPr>
-      <p:sp>
-        <p:nvSpPr>
-          <p:cNvPr id="4" name="Footer Placeholder 3">
-            <a:extLst>
-              <a:ext uri="{FF2B5EF4-FFF2-40B4-BE49-F238E27FC236}">
-                <a16:creationId xmlns:a16="http://schemas.microsoft.com/office/drawing/2014/main" id="{898A889A-0494-48B1-A6C6-B2834F51C151}"/>
-              </a:ext>
-            </a:extLst>
-          </p:cNvPr>
-          <p:cNvSpPr>
-            <a:spLocks noGrp="1"/>
-          </p:cNvSpPr>
-          <p:nvPr>
-            <p:ph type="ftr" sz="quarter" idx="11"/>
-          </p:nvPr>
-        </p:nvSpPr>
-        <p:spPr/>
-        <p:txBody>
-          <a:bodyPr/>
-          <a:lstStyle/>
-          <a:p>
-            <a:r>
-              <a:rPr lang="de-DE" dirty="0"/>
-              <a:t>Nick Schreiber</a:t>
-            </a:r>
-          </a:p>
-        </p:txBody>
-      </p:sp>
-      <p:sp>
-        <p:nvSpPr>
-          <p:cNvPr id="5" name="Slide Number Placeholder 4">
-            <a:extLst>
-              <a:ext uri="{FF2B5EF4-FFF2-40B4-BE49-F238E27FC236}">
-                <a16:creationId xmlns:a16="http://schemas.microsoft.com/office/drawing/2014/main" id="{58800E52-8559-34A1-87B2-065652ACA334}"/>
-              </a:ext>
-            </a:extLst>
-          </p:cNvPr>
-          <p:cNvSpPr>
-            <a:spLocks noGrp="1"/>
-          </p:cNvSpPr>
-          <p:nvPr>
-            <p:ph type="sldNum" sz="quarter" idx="12"/>
-          </p:nvPr>
-        </p:nvSpPr>
-        <p:spPr/>
-        <p:txBody>
-          <a:bodyPr/>
-          <a:lstStyle/>
-          <a:p>
-            <a:fld id="{629E1D32-139B-4C55-A3C3-B5F4791988C6}" type="slidenum">
-              <a:rPr lang="de-DE" smtClean="0"/>
-              <a:pPr/>
-              <a:t>7</a:t>
-            </a:fld>
-            <a:endParaRPr lang="de-DE" dirty="0"/>
-          </a:p>
-        </p:txBody>
-      </p:sp>
-      <p:sp>
-        <p:nvSpPr>
-          <p:cNvPr id="6" name="Textfeld 5">
-            <a:extLst>
-              <a:ext uri="{FF2B5EF4-FFF2-40B4-BE49-F238E27FC236}">
-                <a16:creationId xmlns:a16="http://schemas.microsoft.com/office/drawing/2014/main" id="{FADE83BF-E7DF-878D-B808-A84A4EFF15B4}"/>
-              </a:ext>
-            </a:extLst>
-          </p:cNvPr>
-          <p:cNvSpPr txBox="1"/>
-          <p:nvPr/>
-        </p:nvSpPr>
-        <p:spPr>
-          <a:xfrm>
-            <a:off x="720000" y="156670"/>
-            <a:ext cx="8664632" cy="923330"/>
-          </a:xfrm>
-          <a:prstGeom prst="rect">
-            <a:avLst/>
-          </a:prstGeom>
-          <a:noFill/>
-        </p:spPr>
-        <p:txBody>
-          <a:bodyPr wrap="square" rtlCol="0">
-            <a:spAutoFit/>
-          </a:bodyPr>
-          <a:lstStyle/>
-          <a:p>
-            <a:r>
-              <a:rPr lang="de-DE" sz="5400" dirty="0"/>
-              <a:t>Aktueller Stand</a:t>
+              <a:t>Messbarkeit</a:t>
             </a:r>
           </a:p>
         </p:txBody>
@@ -6435,7 +5584,7 @@
             </a:pPr>
             <a:r>
               <a:rPr lang="de-DE" dirty="0"/>
-              <a:t>Code läuft, erste Ergebnisse auf Testbild:</a:t>
+              <a:t>Wie gut ist ein Kompressionsverfahren?</a:t>
             </a:r>
           </a:p>
           <a:p>
@@ -6445,19 +5594,154 @@
             <a:endParaRPr lang="de-DE" dirty="0"/>
           </a:p>
           <a:p>
-            <a:pPr marL="0" indent="0">
-              <a:buNone/>
-            </a:pPr>
+            <a:r>
+              <a:rPr lang="de-DE" dirty="0"/>
+              <a:t>Kompressionsrate</a:t>
+            </a:r>
+          </a:p>
+          <a:p>
+            <a:r>
+              <a:rPr lang="de-DE" dirty="0"/>
+              <a:t>Kompressionsgeschwindigkeit, O-Notation</a:t>
+            </a:r>
+          </a:p>
+          <a:p>
+            <a:r>
+              <a:rPr lang="de-DE" dirty="0"/>
+              <a:t>Dekompressionsgeschwindigkeit</a:t>
+            </a:r>
+          </a:p>
+        </p:txBody>
+      </p:sp>
+    </p:spTree>
+    <p:extLst>
+      <p:ext uri="{BB962C8B-B14F-4D97-AF65-F5344CB8AC3E}">
+        <p14:creationId xmlns:p14="http://schemas.microsoft.com/office/powerpoint/2010/main" val="1260141268"/>
+      </p:ext>
+    </p:extLst>
+  </p:cSld>
+  <p:clrMapOvr>
+    <a:masterClrMapping/>
+  </p:clrMapOvr>
+</p:sld>
+</file>
+
+<file path=ppt/slides/slide6.xml><?xml version="1.0" encoding="utf-8"?>
+<p:sld xmlns:a="http://schemas.openxmlformats.org/drawingml/2006/main" xmlns:r="http://schemas.openxmlformats.org/officeDocument/2006/relationships" xmlns:p="http://schemas.openxmlformats.org/presentationml/2006/main">
+  <p:cSld>
+    <p:spTree>
+      <p:nvGrpSpPr>
+        <p:cNvPr id="1" name=""/>
+        <p:cNvGrpSpPr/>
+        <p:nvPr/>
+      </p:nvGrpSpPr>
+      <p:grpSpPr>
+        <a:xfrm>
+          <a:off x="0" y="0"/>
+          <a:ext cx="0" cy="0"/>
+          <a:chOff x="0" y="0"/>
+          <a:chExt cx="0" cy="0"/>
+        </a:xfrm>
+      </p:grpSpPr>
+      <p:sp>
+        <p:nvSpPr>
+          <p:cNvPr id="4" name="Footer Placeholder 3">
+            <a:extLst>
+              <a:ext uri="{FF2B5EF4-FFF2-40B4-BE49-F238E27FC236}">
+                <a16:creationId xmlns:a16="http://schemas.microsoft.com/office/drawing/2014/main" id="{898A889A-0494-48B1-A6C6-B2834F51C151}"/>
+              </a:ext>
+            </a:extLst>
+          </p:cNvPr>
+          <p:cNvSpPr>
+            <a:spLocks noGrp="1"/>
+          </p:cNvSpPr>
+          <p:nvPr>
+            <p:ph type="ftr" sz="quarter" idx="11"/>
+          </p:nvPr>
+        </p:nvSpPr>
+        <p:spPr/>
+        <p:txBody>
+          <a:bodyPr/>
+          <a:lstStyle/>
+          <a:p>
+            <a:r>
+              <a:rPr lang="de-DE" dirty="0"/>
+              <a:t>Nick Schreiber</a:t>
+            </a:r>
+          </a:p>
+        </p:txBody>
+      </p:sp>
+      <p:sp>
+        <p:nvSpPr>
+          <p:cNvPr id="5" name="Slide Number Placeholder 4">
+            <a:extLst>
+              <a:ext uri="{FF2B5EF4-FFF2-40B4-BE49-F238E27FC236}">
+                <a16:creationId xmlns:a16="http://schemas.microsoft.com/office/drawing/2014/main" id="{58800E52-8559-34A1-87B2-065652ACA334}"/>
+              </a:ext>
+            </a:extLst>
+          </p:cNvPr>
+          <p:cNvSpPr>
+            <a:spLocks noGrp="1"/>
+          </p:cNvSpPr>
+          <p:nvPr>
+            <p:ph type="sldNum" sz="quarter" idx="12"/>
+          </p:nvPr>
+        </p:nvSpPr>
+        <p:spPr/>
+        <p:txBody>
+          <a:bodyPr/>
+          <a:lstStyle/>
+          <a:p>
+            <a:fld id="{629E1D32-139B-4C55-A3C3-B5F4791988C6}" type="slidenum">
+              <a:rPr lang="de-DE" smtClean="0"/>
+              <a:pPr/>
+              <a:t>6</a:t>
+            </a:fld>
             <a:endParaRPr lang="de-DE" dirty="0"/>
+          </a:p>
+        </p:txBody>
+      </p:sp>
+      <p:sp>
+        <p:nvSpPr>
+          <p:cNvPr id="6" name="Textfeld 5">
+            <a:extLst>
+              <a:ext uri="{FF2B5EF4-FFF2-40B4-BE49-F238E27FC236}">
+                <a16:creationId xmlns:a16="http://schemas.microsoft.com/office/drawing/2014/main" id="{FADE83BF-E7DF-878D-B808-A84A4EFF15B4}"/>
+              </a:ext>
+            </a:extLst>
+          </p:cNvPr>
+          <p:cNvSpPr txBox="1"/>
+          <p:nvPr/>
+        </p:nvSpPr>
+        <p:spPr>
+          <a:xfrm>
+            <a:off x="720000" y="144379"/>
+            <a:ext cx="8664632" cy="923330"/>
+          </a:xfrm>
+          <a:prstGeom prst="rect">
+            <a:avLst/>
+          </a:prstGeom>
+          <a:noFill/>
+        </p:spPr>
+        <p:txBody>
+          <a:bodyPr wrap="square" rtlCol="0">
+            <a:spAutoFit/>
+          </a:bodyPr>
+          <a:lstStyle/>
+          <a:p>
+            <a:r>
+              <a:rPr lang="de-DE" sz="5400" dirty="0"/>
+              <a:t>Versuch</a:t>
+            </a:r>
           </a:p>
         </p:txBody>
       </p:sp>
       <p:pic>
         <p:nvPicPr>
-          <p:cNvPr id="8" name="Grafik 7">
-            <a:extLst>
-              <a:ext uri="{FF2B5EF4-FFF2-40B4-BE49-F238E27FC236}">
-                <a16:creationId xmlns:a16="http://schemas.microsoft.com/office/drawing/2014/main" id="{3D9A4182-70B0-3DBD-D537-520DF319E7EF}"/>
+          <p:cNvPr id="2" name="Grafik 1" descr="Ein Bild, das Vogel, Eisvogel, Wildleben, Schnabel enthält.&#10;&#10;Automatisch generierte Beschreibung">
+            <a:extLst>
+              <a:ext uri="{FF2B5EF4-FFF2-40B4-BE49-F238E27FC236}">
+                <a16:creationId xmlns:a16="http://schemas.microsoft.com/office/drawing/2014/main" id="{85D012AE-E701-DBC7-52C6-5FD6FFE6EB8B}"/>
               </a:ext>
             </a:extLst>
           </p:cNvPr>
@@ -6474,25 +5758,113 @@
               </a:ext>
             </a:extLst>
           </a:blip>
-          <a:srcRect/>
-          <a:stretch/>
+          <a:stretch>
+            <a:fillRect/>
+          </a:stretch>
         </p:blipFill>
         <p:spPr>
           <a:xfrm>
-            <a:off x="1024388" y="3472106"/>
-            <a:ext cx="10143224" cy="1974787"/>
+            <a:off x="833733" y="2144468"/>
+            <a:ext cx="2562726" cy="1708484"/>
           </a:xfrm>
           <a:prstGeom prst="rect">
             <a:avLst/>
           </a:prstGeom>
         </p:spPr>
       </p:pic>
+      <p:sp>
+        <p:nvSpPr>
+          <p:cNvPr id="3" name="Pfeil: nach rechts 2">
+            <a:extLst>
+              <a:ext uri="{FF2B5EF4-FFF2-40B4-BE49-F238E27FC236}">
+                <a16:creationId xmlns:a16="http://schemas.microsoft.com/office/drawing/2014/main" id="{E4C77EB2-DA76-37B3-C465-E48DCFDDD510}"/>
+              </a:ext>
+            </a:extLst>
+          </p:cNvPr>
+          <p:cNvSpPr/>
+          <p:nvPr/>
+        </p:nvSpPr>
+        <p:spPr>
+          <a:xfrm>
+            <a:off x="3613164" y="2757764"/>
+            <a:ext cx="645459" cy="259976"/>
+          </a:xfrm>
+          <a:prstGeom prst="rightArrow">
+            <a:avLst/>
+          </a:prstGeom>
+        </p:spPr>
+        <p:style>
+          <a:lnRef idx="2">
+            <a:schemeClr val="dk1">
+              <a:shade val="15000"/>
+            </a:schemeClr>
+          </a:lnRef>
+          <a:fillRef idx="1">
+            <a:schemeClr val="dk1"/>
+          </a:fillRef>
+          <a:effectRef idx="0">
+            <a:schemeClr val="dk1"/>
+          </a:effectRef>
+          <a:fontRef idx="minor">
+            <a:schemeClr val="lt1"/>
+          </a:fontRef>
+        </p:style>
+        <p:txBody>
+          <a:bodyPr rtlCol="0" anchor="ctr"/>
+          <a:lstStyle/>
+          <a:p>
+            <a:pPr algn="ctr"/>
+            <a:endParaRPr lang="de-DE" dirty="0"/>
+          </a:p>
+        </p:txBody>
+      </p:sp>
+      <p:sp>
+        <p:nvSpPr>
+          <p:cNvPr id="7" name="Textfeld 6">
+            <a:extLst>
+              <a:ext uri="{FF2B5EF4-FFF2-40B4-BE49-F238E27FC236}">
+                <a16:creationId xmlns:a16="http://schemas.microsoft.com/office/drawing/2014/main" id="{858D19A5-220F-CC6D-2556-25EBD412B3A3}"/>
+              </a:ext>
+            </a:extLst>
+          </p:cNvPr>
+          <p:cNvSpPr txBox="1"/>
+          <p:nvPr/>
+        </p:nvSpPr>
+        <p:spPr>
+          <a:xfrm>
+            <a:off x="1070708" y="1664178"/>
+            <a:ext cx="2088777" cy="369332"/>
+          </a:xfrm>
+          <a:prstGeom prst="rect">
+            <a:avLst/>
+          </a:prstGeom>
+          <a:noFill/>
+          <a:ln>
+            <a:solidFill>
+              <a:schemeClr val="tx1"/>
+            </a:solidFill>
+          </a:ln>
+        </p:spPr>
+        <p:txBody>
+          <a:bodyPr wrap="square" rtlCol="0">
+            <a:spAutoFit/>
+          </a:bodyPr>
+          <a:lstStyle/>
+          <a:p>
+            <a:pPr algn="ctr"/>
+            <a:r>
+              <a:rPr lang="de-DE" dirty="0"/>
+              <a:t>Originalbild (RAW)</a:t>
+            </a:r>
+          </a:p>
+        </p:txBody>
+      </p:sp>
       <p:pic>
         <p:nvPicPr>
-          <p:cNvPr id="11" name="Grafik 10" descr="Ein Bild, das Text, Screenshot, Display, Schrift enthält.&#10;&#10;Automatisch generierte Beschreibung">
-            <a:extLst>
-              <a:ext uri="{FF2B5EF4-FFF2-40B4-BE49-F238E27FC236}">
-                <a16:creationId xmlns:a16="http://schemas.microsoft.com/office/drawing/2014/main" id="{91B2D1F6-D99C-517D-04F5-BA0B89F4FC57}"/>
+          <p:cNvPr id="8" name="Grafik 7" descr="Ein Bild, das Text, Screenshot, Quadrat, Rechteck enthält.&#10;&#10;Automatisch generierte Beschreibung">
+            <a:extLst>
+              <a:ext uri="{FF2B5EF4-FFF2-40B4-BE49-F238E27FC236}">
+                <a16:creationId xmlns:a16="http://schemas.microsoft.com/office/drawing/2014/main" id="{32CD32A9-437D-0AD2-606D-EBB27E433AFB}"/>
               </a:ext>
             </a:extLst>
           </p:cNvPr>
@@ -6515,18 +5887,1552 @@
         </p:blipFill>
         <p:spPr>
           <a:xfrm>
-            <a:off x="7819292" y="1190929"/>
-            <a:ext cx="2282308" cy="1734071"/>
+            <a:off x="4475327" y="2033510"/>
+            <a:ext cx="2413000" cy="1930400"/>
           </a:xfrm>
           <a:prstGeom prst="rect">
             <a:avLst/>
           </a:prstGeom>
         </p:spPr>
       </p:pic>
+      <p:sp>
+        <p:nvSpPr>
+          <p:cNvPr id="10" name="Textfeld 9">
+            <a:extLst>
+              <a:ext uri="{FF2B5EF4-FFF2-40B4-BE49-F238E27FC236}">
+                <a16:creationId xmlns:a16="http://schemas.microsoft.com/office/drawing/2014/main" id="{94818510-6899-4FE6-7BEE-234B41A382D1}"/>
+              </a:ext>
+            </a:extLst>
+          </p:cNvPr>
+          <p:cNvSpPr txBox="1"/>
+          <p:nvPr/>
+        </p:nvSpPr>
+        <p:spPr>
+          <a:xfrm>
+            <a:off x="4637438" y="1664178"/>
+            <a:ext cx="2088777" cy="369332"/>
+          </a:xfrm>
+          <a:prstGeom prst="rect">
+            <a:avLst/>
+          </a:prstGeom>
+          <a:noFill/>
+          <a:ln>
+            <a:solidFill>
+              <a:schemeClr val="tx1"/>
+            </a:solidFill>
+          </a:ln>
+        </p:spPr>
+        <p:txBody>
+          <a:bodyPr wrap="square" rtlCol="0">
+            <a:spAutoFit/>
+          </a:bodyPr>
+          <a:lstStyle/>
+          <a:p>
+            <a:pPr algn="ctr"/>
+            <a:r>
+              <a:rPr lang="de-DE" dirty="0"/>
+              <a:t>RGB-Matrix</a:t>
+            </a:r>
+          </a:p>
+        </p:txBody>
+      </p:sp>
+      <p:sp>
+        <p:nvSpPr>
+          <p:cNvPr id="11" name="Pfeil: nach rechts 10">
+            <a:extLst>
+              <a:ext uri="{FF2B5EF4-FFF2-40B4-BE49-F238E27FC236}">
+                <a16:creationId xmlns:a16="http://schemas.microsoft.com/office/drawing/2014/main" id="{1FD7BCDE-522A-0689-CC70-A9E73EBD6607}"/>
+              </a:ext>
+            </a:extLst>
+          </p:cNvPr>
+          <p:cNvSpPr/>
+          <p:nvPr/>
+        </p:nvSpPr>
+        <p:spPr>
+          <a:xfrm>
+            <a:off x="7105031" y="2738734"/>
+            <a:ext cx="645459" cy="259976"/>
+          </a:xfrm>
+          <a:prstGeom prst="rightArrow">
+            <a:avLst/>
+          </a:prstGeom>
+        </p:spPr>
+        <p:style>
+          <a:lnRef idx="2">
+            <a:schemeClr val="dk1">
+              <a:shade val="15000"/>
+            </a:schemeClr>
+          </a:lnRef>
+          <a:fillRef idx="1">
+            <a:schemeClr val="dk1"/>
+          </a:fillRef>
+          <a:effectRef idx="0">
+            <a:schemeClr val="dk1"/>
+          </a:effectRef>
+          <a:fontRef idx="minor">
+            <a:schemeClr val="lt1"/>
+          </a:fontRef>
+        </p:style>
+        <p:txBody>
+          <a:bodyPr rtlCol="0" anchor="ctr"/>
+          <a:lstStyle/>
+          <a:p>
+            <a:pPr algn="ctr"/>
+            <a:endParaRPr lang="de-DE" dirty="0"/>
+          </a:p>
+        </p:txBody>
+      </p:sp>
+      <p:pic>
+        <p:nvPicPr>
+          <p:cNvPr id="12" name="Grafik 11" descr="Ein Bild, das Screenshot, Schrift, Grafiken, Farbigkeit enthält.&#10;&#10;Automatisch generierte Beschreibung">
+            <a:extLst>
+              <a:ext uri="{FF2B5EF4-FFF2-40B4-BE49-F238E27FC236}">
+                <a16:creationId xmlns:a16="http://schemas.microsoft.com/office/drawing/2014/main" id="{29B9C855-0897-A4D2-C32A-5C5CCE63C41E}"/>
+              </a:ext>
+            </a:extLst>
+          </p:cNvPr>
+          <p:cNvPicPr>
+            <a:picLocks noChangeAspect="1"/>
+          </p:cNvPicPr>
+          <p:nvPr/>
+        </p:nvPicPr>
+        <p:blipFill>
+          <a:blip r:embed="rId4">
+            <a:extLst>
+              <a:ext uri="{28A0092B-C50C-407E-A947-70E740481C1C}">
+                <a14:useLocalDpi xmlns:a14="http://schemas.microsoft.com/office/drawing/2010/main" val="0"/>
+              </a:ext>
+            </a:extLst>
+          </a:blip>
+          <a:stretch>
+            <a:fillRect/>
+          </a:stretch>
+        </p:blipFill>
+        <p:spPr>
+          <a:xfrm>
+            <a:off x="7967194" y="2671616"/>
+            <a:ext cx="3386606" cy="604431"/>
+          </a:xfrm>
+          <a:prstGeom prst="rect">
+            <a:avLst/>
+          </a:prstGeom>
+        </p:spPr>
+      </p:pic>
+      <p:sp>
+        <p:nvSpPr>
+          <p:cNvPr id="13" name="Textfeld 12">
+            <a:extLst>
+              <a:ext uri="{FF2B5EF4-FFF2-40B4-BE49-F238E27FC236}">
+                <a16:creationId xmlns:a16="http://schemas.microsoft.com/office/drawing/2014/main" id="{3518C984-8BFC-CEE2-EC3C-E0578347DD89}"/>
+              </a:ext>
+            </a:extLst>
+          </p:cNvPr>
+          <p:cNvSpPr txBox="1"/>
+          <p:nvPr/>
+        </p:nvSpPr>
+        <p:spPr>
+          <a:xfrm>
+            <a:off x="8517013" y="1664178"/>
+            <a:ext cx="2088777" cy="369332"/>
+          </a:xfrm>
+          <a:prstGeom prst="rect">
+            <a:avLst/>
+          </a:prstGeom>
+          <a:noFill/>
+          <a:ln>
+            <a:solidFill>
+              <a:schemeClr val="tx1"/>
+            </a:solidFill>
+          </a:ln>
+        </p:spPr>
+        <p:txBody>
+          <a:bodyPr wrap="square" rtlCol="0">
+            <a:spAutoFit/>
+          </a:bodyPr>
+          <a:lstStyle/>
+          <a:p>
+            <a:pPr algn="ctr"/>
+            <a:r>
+              <a:rPr lang="de-DE" dirty="0"/>
+              <a:t>RGB-Flat-Array</a:t>
+            </a:r>
+          </a:p>
+        </p:txBody>
+      </p:sp>
+      <p:sp>
+        <p:nvSpPr>
+          <p:cNvPr id="14" name="Pfeil: nach rechts 13">
+            <a:extLst>
+              <a:ext uri="{FF2B5EF4-FFF2-40B4-BE49-F238E27FC236}">
+                <a16:creationId xmlns:a16="http://schemas.microsoft.com/office/drawing/2014/main" id="{C3CC571F-727C-CA60-5262-EC0EBC1E4641}"/>
+              </a:ext>
+            </a:extLst>
+          </p:cNvPr>
+          <p:cNvSpPr/>
+          <p:nvPr/>
+        </p:nvSpPr>
+        <p:spPr>
+          <a:xfrm>
+            <a:off x="3763233" y="5052662"/>
+            <a:ext cx="645459" cy="259976"/>
+          </a:xfrm>
+          <a:prstGeom prst="rightArrow">
+            <a:avLst/>
+          </a:prstGeom>
+        </p:spPr>
+        <p:style>
+          <a:lnRef idx="2">
+            <a:schemeClr val="dk1">
+              <a:shade val="15000"/>
+            </a:schemeClr>
+          </a:lnRef>
+          <a:fillRef idx="1">
+            <a:schemeClr val="dk1"/>
+          </a:fillRef>
+          <a:effectRef idx="0">
+            <a:schemeClr val="dk1"/>
+          </a:effectRef>
+          <a:fontRef idx="minor">
+            <a:schemeClr val="lt1"/>
+          </a:fontRef>
+        </p:style>
+        <p:txBody>
+          <a:bodyPr rtlCol="0" anchor="ctr"/>
+          <a:lstStyle/>
+          <a:p>
+            <a:pPr algn="ctr"/>
+            <a:endParaRPr lang="de-DE" dirty="0"/>
+          </a:p>
+        </p:txBody>
+      </p:sp>
+      <p:sp>
+        <p:nvSpPr>
+          <p:cNvPr id="15" name="Textfeld 14">
+            <a:extLst>
+              <a:ext uri="{FF2B5EF4-FFF2-40B4-BE49-F238E27FC236}">
+                <a16:creationId xmlns:a16="http://schemas.microsoft.com/office/drawing/2014/main" id="{A190D9FD-9965-3CBD-3DC0-0EA8381058F4}"/>
+              </a:ext>
+            </a:extLst>
+          </p:cNvPr>
+          <p:cNvSpPr txBox="1"/>
+          <p:nvPr/>
+        </p:nvSpPr>
+        <p:spPr>
+          <a:xfrm>
+            <a:off x="3332537" y="4538870"/>
+            <a:ext cx="1512745" cy="369332"/>
+          </a:xfrm>
+          <a:prstGeom prst="rect">
+            <a:avLst/>
+          </a:prstGeom>
+          <a:noFill/>
+          <a:ln>
+            <a:solidFill>
+              <a:schemeClr val="tx1"/>
+            </a:solidFill>
+            <a:prstDash val="solid"/>
+          </a:ln>
+        </p:spPr>
+        <p:txBody>
+          <a:bodyPr wrap="square" rtlCol="0">
+            <a:spAutoFit/>
+          </a:bodyPr>
+          <a:lstStyle/>
+          <a:p>
+            <a:pPr algn="ctr"/>
+            <a:r>
+              <a:rPr lang="de-DE" dirty="0"/>
+              <a:t>Kompression</a:t>
+            </a:r>
+          </a:p>
+        </p:txBody>
+      </p:sp>
+      <p:sp>
+        <p:nvSpPr>
+          <p:cNvPr id="16" name="Textfeld 15">
+            <a:extLst>
+              <a:ext uri="{FF2B5EF4-FFF2-40B4-BE49-F238E27FC236}">
+                <a16:creationId xmlns:a16="http://schemas.microsoft.com/office/drawing/2014/main" id="{982A757E-0994-C896-A3CD-1674D0FB1C8C}"/>
+              </a:ext>
+            </a:extLst>
+          </p:cNvPr>
+          <p:cNvSpPr txBox="1"/>
+          <p:nvPr/>
+        </p:nvSpPr>
+        <p:spPr>
+          <a:xfrm>
+            <a:off x="5007974" y="5015038"/>
+            <a:ext cx="2088777" cy="369332"/>
+          </a:xfrm>
+          <a:prstGeom prst="rect">
+            <a:avLst/>
+          </a:prstGeom>
+          <a:solidFill>
+            <a:schemeClr val="bg1">
+              <a:lumMod val="95000"/>
+            </a:schemeClr>
+          </a:solidFill>
+          <a:ln>
+            <a:solidFill>
+              <a:schemeClr val="tx1"/>
+            </a:solidFill>
+          </a:ln>
+        </p:spPr>
+        <p:txBody>
+          <a:bodyPr wrap="square" rtlCol="0">
+            <a:spAutoFit/>
+          </a:bodyPr>
+          <a:lstStyle/>
+          <a:p>
+            <a:pPr algn="ctr"/>
+            <a:r>
+              <a:rPr lang="de-DE" dirty="0"/>
+              <a:t>Komprimiertes Bild</a:t>
+            </a:r>
+          </a:p>
+        </p:txBody>
+      </p:sp>
+      <p:sp>
+        <p:nvSpPr>
+          <p:cNvPr id="17" name="Pfeil: nach rechts 16">
+            <a:extLst>
+              <a:ext uri="{FF2B5EF4-FFF2-40B4-BE49-F238E27FC236}">
+                <a16:creationId xmlns:a16="http://schemas.microsoft.com/office/drawing/2014/main" id="{997E9829-52B9-B4C6-B019-5F51A24660F5}"/>
+              </a:ext>
+            </a:extLst>
+          </p:cNvPr>
+          <p:cNvSpPr/>
+          <p:nvPr/>
+        </p:nvSpPr>
+        <p:spPr>
+          <a:xfrm>
+            <a:off x="7696032" y="5083164"/>
+            <a:ext cx="645459" cy="259976"/>
+          </a:xfrm>
+          <a:prstGeom prst="rightArrow">
+            <a:avLst/>
+          </a:prstGeom>
+        </p:spPr>
+        <p:style>
+          <a:lnRef idx="2">
+            <a:schemeClr val="dk1">
+              <a:shade val="15000"/>
+            </a:schemeClr>
+          </a:lnRef>
+          <a:fillRef idx="1">
+            <a:schemeClr val="dk1"/>
+          </a:fillRef>
+          <a:effectRef idx="0">
+            <a:schemeClr val="dk1"/>
+          </a:effectRef>
+          <a:fontRef idx="minor">
+            <a:schemeClr val="lt1"/>
+          </a:fontRef>
+        </p:style>
+        <p:txBody>
+          <a:bodyPr rtlCol="0" anchor="ctr"/>
+          <a:lstStyle/>
+          <a:p>
+            <a:pPr algn="ctr"/>
+            <a:endParaRPr lang="de-DE" dirty="0"/>
+          </a:p>
+        </p:txBody>
+      </p:sp>
+      <p:sp>
+        <p:nvSpPr>
+          <p:cNvPr id="18" name="Textfeld 17">
+            <a:extLst>
+              <a:ext uri="{FF2B5EF4-FFF2-40B4-BE49-F238E27FC236}">
+                <a16:creationId xmlns:a16="http://schemas.microsoft.com/office/drawing/2014/main" id="{B19005F9-576E-D7BF-566B-3716C7D33A9B}"/>
+              </a:ext>
+            </a:extLst>
+          </p:cNvPr>
+          <p:cNvSpPr txBox="1"/>
+          <p:nvPr/>
+        </p:nvSpPr>
+        <p:spPr>
+          <a:xfrm>
+            <a:off x="7206542" y="4540818"/>
+            <a:ext cx="1624437" cy="369332"/>
+          </a:xfrm>
+          <a:prstGeom prst="rect">
+            <a:avLst/>
+          </a:prstGeom>
+          <a:noFill/>
+          <a:ln>
+            <a:solidFill>
+              <a:schemeClr val="tx1"/>
+            </a:solidFill>
+            <a:prstDash val="solid"/>
+          </a:ln>
+        </p:spPr>
+        <p:txBody>
+          <a:bodyPr wrap="square" rtlCol="0">
+            <a:spAutoFit/>
+          </a:bodyPr>
+          <a:lstStyle/>
+          <a:p>
+            <a:pPr algn="ctr"/>
+            <a:r>
+              <a:rPr lang="de-DE" dirty="0"/>
+              <a:t>Dekompression</a:t>
+            </a:r>
+          </a:p>
+        </p:txBody>
+      </p:sp>
+      <p:sp>
+        <p:nvSpPr>
+          <p:cNvPr id="19" name="Textfeld 18">
+            <a:extLst>
+              <a:ext uri="{FF2B5EF4-FFF2-40B4-BE49-F238E27FC236}">
+                <a16:creationId xmlns:a16="http://schemas.microsoft.com/office/drawing/2014/main" id="{C38FEE21-F641-C11A-9B9F-A6BC4605E458}"/>
+              </a:ext>
+            </a:extLst>
+          </p:cNvPr>
+          <p:cNvSpPr txBox="1"/>
+          <p:nvPr/>
+        </p:nvSpPr>
+        <p:spPr>
+          <a:xfrm>
+            <a:off x="8942216" y="5015038"/>
+            <a:ext cx="2217346" cy="369332"/>
+          </a:xfrm>
+          <a:prstGeom prst="rect">
+            <a:avLst/>
+          </a:prstGeom>
+          <a:solidFill>
+            <a:schemeClr val="bg1">
+              <a:lumMod val="95000"/>
+            </a:schemeClr>
+          </a:solidFill>
+          <a:ln>
+            <a:solidFill>
+              <a:schemeClr val="tx1"/>
+            </a:solidFill>
+          </a:ln>
+        </p:spPr>
+        <p:txBody>
+          <a:bodyPr wrap="square" rtlCol="0">
+            <a:spAutoFit/>
+          </a:bodyPr>
+          <a:lstStyle/>
+          <a:p>
+            <a:pPr algn="ctr"/>
+            <a:r>
+              <a:rPr lang="de-DE" dirty="0"/>
+              <a:t>Dekomprimiertes Bild</a:t>
+            </a:r>
+          </a:p>
+        </p:txBody>
+      </p:sp>
+      <p:sp>
+        <p:nvSpPr>
+          <p:cNvPr id="20" name="Textfeld 19">
+            <a:extLst>
+              <a:ext uri="{FF2B5EF4-FFF2-40B4-BE49-F238E27FC236}">
+                <a16:creationId xmlns:a16="http://schemas.microsoft.com/office/drawing/2014/main" id="{07C103E2-D30E-FC12-322A-4FA46EAFA008}"/>
+              </a:ext>
+            </a:extLst>
+          </p:cNvPr>
+          <p:cNvSpPr txBox="1"/>
+          <p:nvPr/>
+        </p:nvSpPr>
+        <p:spPr>
+          <a:xfrm>
+            <a:off x="1075175" y="4979768"/>
+            <a:ext cx="2088777" cy="369332"/>
+          </a:xfrm>
+          <a:prstGeom prst="rect">
+            <a:avLst/>
+          </a:prstGeom>
+          <a:solidFill>
+            <a:schemeClr val="bg1">
+              <a:lumMod val="95000"/>
+            </a:schemeClr>
+          </a:solidFill>
+          <a:ln>
+            <a:solidFill>
+              <a:schemeClr val="tx1"/>
+            </a:solidFill>
+          </a:ln>
+        </p:spPr>
+        <p:txBody>
+          <a:bodyPr wrap="square" rtlCol="0">
+            <a:spAutoFit/>
+          </a:bodyPr>
+          <a:lstStyle/>
+          <a:p>
+            <a:pPr algn="ctr"/>
+            <a:r>
+              <a:rPr lang="de-DE" dirty="0"/>
+              <a:t>RGB-Flat-Array</a:t>
+            </a:r>
+          </a:p>
+        </p:txBody>
+      </p:sp>
+      <p:sp>
+        <p:nvSpPr>
+          <p:cNvPr id="21" name="Textfeld 20">
+            <a:extLst>
+              <a:ext uri="{FF2B5EF4-FFF2-40B4-BE49-F238E27FC236}">
+                <a16:creationId xmlns:a16="http://schemas.microsoft.com/office/drawing/2014/main" id="{C8034705-FEE9-2F16-E955-3E4DBF33F7A8}"/>
+              </a:ext>
+            </a:extLst>
+          </p:cNvPr>
+          <p:cNvSpPr txBox="1"/>
+          <p:nvPr/>
+        </p:nvSpPr>
+        <p:spPr>
+          <a:xfrm>
+            <a:off x="3332538" y="5530526"/>
+            <a:ext cx="1512744" cy="369332"/>
+          </a:xfrm>
+          <a:prstGeom prst="rect">
+            <a:avLst/>
+          </a:prstGeom>
+          <a:noFill/>
+          <a:ln>
+            <a:solidFill>
+              <a:schemeClr val="tx1"/>
+            </a:solidFill>
+            <a:prstDash val="sysDot"/>
+          </a:ln>
+        </p:spPr>
+        <p:txBody>
+          <a:bodyPr wrap="square" rtlCol="0">
+            <a:spAutoFit/>
+          </a:bodyPr>
+          <a:lstStyle/>
+          <a:p>
+            <a:pPr algn="ctr"/>
+            <a:r>
+              <a:rPr lang="de-DE" dirty="0"/>
+              <a:t>Zeitmessung</a:t>
+            </a:r>
+          </a:p>
+        </p:txBody>
+      </p:sp>
+      <p:sp>
+        <p:nvSpPr>
+          <p:cNvPr id="22" name="Textfeld 21">
+            <a:extLst>
+              <a:ext uri="{FF2B5EF4-FFF2-40B4-BE49-F238E27FC236}">
+                <a16:creationId xmlns:a16="http://schemas.microsoft.com/office/drawing/2014/main" id="{7379ABE7-C2DC-1A2A-5785-1FFD39B25384}"/>
+              </a:ext>
+            </a:extLst>
+          </p:cNvPr>
+          <p:cNvSpPr txBox="1"/>
+          <p:nvPr/>
+        </p:nvSpPr>
+        <p:spPr>
+          <a:xfrm>
+            <a:off x="5007974" y="5530526"/>
+            <a:ext cx="2097057" cy="369332"/>
+          </a:xfrm>
+          <a:prstGeom prst="rect">
+            <a:avLst/>
+          </a:prstGeom>
+          <a:noFill/>
+          <a:ln>
+            <a:solidFill>
+              <a:schemeClr val="tx1"/>
+            </a:solidFill>
+            <a:prstDash val="sysDot"/>
+          </a:ln>
+        </p:spPr>
+        <p:txBody>
+          <a:bodyPr wrap="square" rtlCol="0">
+            <a:spAutoFit/>
+          </a:bodyPr>
+          <a:lstStyle/>
+          <a:p>
+            <a:pPr algn="ctr"/>
+            <a:r>
+              <a:rPr lang="de-DE" dirty="0"/>
+              <a:t>Kompressionsrate</a:t>
+            </a:r>
+          </a:p>
+        </p:txBody>
+      </p:sp>
+      <p:sp>
+        <p:nvSpPr>
+          <p:cNvPr id="23" name="Textfeld 22">
+            <a:extLst>
+              <a:ext uri="{FF2B5EF4-FFF2-40B4-BE49-F238E27FC236}">
+                <a16:creationId xmlns:a16="http://schemas.microsoft.com/office/drawing/2014/main" id="{D46119F8-A724-91FB-5280-5CEDA2946A33}"/>
+              </a:ext>
+            </a:extLst>
+          </p:cNvPr>
+          <p:cNvSpPr txBox="1"/>
+          <p:nvPr/>
+        </p:nvSpPr>
+        <p:spPr>
+          <a:xfrm>
+            <a:off x="7206542" y="5532198"/>
+            <a:ext cx="1624437" cy="369332"/>
+          </a:xfrm>
+          <a:prstGeom prst="rect">
+            <a:avLst/>
+          </a:prstGeom>
+          <a:noFill/>
+          <a:ln>
+            <a:solidFill>
+              <a:schemeClr val="tx1"/>
+            </a:solidFill>
+            <a:prstDash val="sysDot"/>
+          </a:ln>
+        </p:spPr>
+        <p:txBody>
+          <a:bodyPr wrap="square" rtlCol="0">
+            <a:spAutoFit/>
+          </a:bodyPr>
+          <a:lstStyle/>
+          <a:p>
+            <a:pPr algn="ctr"/>
+            <a:r>
+              <a:rPr lang="de-DE" dirty="0"/>
+              <a:t>Zeitmessung</a:t>
+            </a:r>
+          </a:p>
+        </p:txBody>
+      </p:sp>
     </p:spTree>
     <p:extLst>
       <p:ext uri="{BB962C8B-B14F-4D97-AF65-F5344CB8AC3E}">
-        <p14:creationId xmlns:p14="http://schemas.microsoft.com/office/powerpoint/2010/main" val="3385906201"/>
+        <p14:creationId xmlns:p14="http://schemas.microsoft.com/office/powerpoint/2010/main" val="2617031235"/>
+      </p:ext>
+    </p:extLst>
+  </p:cSld>
+  <p:clrMapOvr>
+    <a:masterClrMapping/>
+  </p:clrMapOvr>
+</p:sld>
+</file>
+
+<file path=ppt/slides/slide7.xml><?xml version="1.0" encoding="utf-8"?>
+<p:sld xmlns:a="http://schemas.openxmlformats.org/drawingml/2006/main" xmlns:r="http://schemas.openxmlformats.org/officeDocument/2006/relationships" xmlns:p="http://schemas.openxmlformats.org/presentationml/2006/main">
+  <p:cSld>
+    <p:spTree>
+      <p:nvGrpSpPr>
+        <p:cNvPr id="1" name=""/>
+        <p:cNvGrpSpPr/>
+        <p:nvPr/>
+      </p:nvGrpSpPr>
+      <p:grpSpPr>
+        <a:xfrm>
+          <a:off x="0" y="0"/>
+          <a:ext cx="0" cy="0"/>
+          <a:chOff x="0" y="0"/>
+          <a:chExt cx="0" cy="0"/>
+        </a:xfrm>
+      </p:grpSpPr>
+      <p:sp>
+        <p:nvSpPr>
+          <p:cNvPr id="9" name="Rectangle 8">
+            <a:extLst>
+              <a:ext uri="{FF2B5EF4-FFF2-40B4-BE49-F238E27FC236}">
+                <a16:creationId xmlns:a16="http://schemas.microsoft.com/office/drawing/2014/main" id="{CED30817-B3DC-F23C-776C-55A2904EA6D1}"/>
+              </a:ext>
+            </a:extLst>
+          </p:cNvPr>
+          <p:cNvSpPr/>
+          <p:nvPr/>
+        </p:nvSpPr>
+        <p:spPr>
+          <a:xfrm>
+            <a:off x="720000" y="1563624"/>
+            <a:ext cx="10633800" cy="4425696"/>
+          </a:xfrm>
+          <a:prstGeom prst="rect">
+            <a:avLst/>
+          </a:prstGeom>
+          <a:noFill/>
+          <a:ln>
+            <a:noFill/>
+          </a:ln>
+        </p:spPr>
+        <p:style>
+          <a:lnRef idx="2">
+            <a:schemeClr val="accent1">
+              <a:shade val="15000"/>
+            </a:schemeClr>
+          </a:lnRef>
+          <a:fillRef idx="1">
+            <a:schemeClr val="accent1"/>
+          </a:fillRef>
+          <a:effectRef idx="0">
+            <a:schemeClr val="accent1"/>
+          </a:effectRef>
+          <a:fontRef idx="minor">
+            <a:schemeClr val="lt1"/>
+          </a:fontRef>
+        </p:style>
+        <p:txBody>
+          <a:bodyPr rtlCol="0" anchor="ctr"/>
+          <a:lstStyle/>
+          <a:p>
+            <a:pPr algn="ctr"/>
+            <a:endParaRPr lang="de-DE"/>
+          </a:p>
+        </p:txBody>
+      </p:sp>
+      <p:sp>
+        <p:nvSpPr>
+          <p:cNvPr id="4" name="Footer Placeholder 3">
+            <a:extLst>
+              <a:ext uri="{FF2B5EF4-FFF2-40B4-BE49-F238E27FC236}">
+                <a16:creationId xmlns:a16="http://schemas.microsoft.com/office/drawing/2014/main" id="{898A889A-0494-48B1-A6C6-B2834F51C151}"/>
+              </a:ext>
+            </a:extLst>
+          </p:cNvPr>
+          <p:cNvSpPr>
+            <a:spLocks noGrp="1"/>
+          </p:cNvSpPr>
+          <p:nvPr>
+            <p:ph type="ftr" sz="quarter" idx="11"/>
+          </p:nvPr>
+        </p:nvSpPr>
+        <p:spPr/>
+        <p:txBody>
+          <a:bodyPr/>
+          <a:lstStyle/>
+          <a:p>
+            <a:r>
+              <a:rPr lang="de-DE" dirty="0"/>
+              <a:t>Nick Schreiber</a:t>
+            </a:r>
+          </a:p>
+        </p:txBody>
+      </p:sp>
+      <p:sp>
+        <p:nvSpPr>
+          <p:cNvPr id="5" name="Slide Number Placeholder 4">
+            <a:extLst>
+              <a:ext uri="{FF2B5EF4-FFF2-40B4-BE49-F238E27FC236}">
+                <a16:creationId xmlns:a16="http://schemas.microsoft.com/office/drawing/2014/main" id="{58800E52-8559-34A1-87B2-065652ACA334}"/>
+              </a:ext>
+            </a:extLst>
+          </p:cNvPr>
+          <p:cNvSpPr>
+            <a:spLocks noGrp="1"/>
+          </p:cNvSpPr>
+          <p:nvPr>
+            <p:ph type="sldNum" sz="quarter" idx="12"/>
+          </p:nvPr>
+        </p:nvSpPr>
+        <p:spPr/>
+        <p:txBody>
+          <a:bodyPr/>
+          <a:lstStyle/>
+          <a:p>
+            <a:fld id="{629E1D32-139B-4C55-A3C3-B5F4791988C6}" type="slidenum">
+              <a:rPr lang="de-DE" smtClean="0"/>
+              <a:pPr/>
+              <a:t>7</a:t>
+            </a:fld>
+            <a:endParaRPr lang="de-DE" dirty="0"/>
+          </a:p>
+        </p:txBody>
+      </p:sp>
+      <p:sp>
+        <p:nvSpPr>
+          <p:cNvPr id="6" name="Textfeld 5">
+            <a:extLst>
+              <a:ext uri="{FF2B5EF4-FFF2-40B4-BE49-F238E27FC236}">
+                <a16:creationId xmlns:a16="http://schemas.microsoft.com/office/drawing/2014/main" id="{FADE83BF-E7DF-878D-B808-A84A4EFF15B4}"/>
+              </a:ext>
+            </a:extLst>
+          </p:cNvPr>
+          <p:cNvSpPr txBox="1"/>
+          <p:nvPr/>
+        </p:nvSpPr>
+        <p:spPr>
+          <a:xfrm>
+            <a:off x="720000" y="144379"/>
+            <a:ext cx="8664632" cy="923330"/>
+          </a:xfrm>
+          <a:prstGeom prst="rect">
+            <a:avLst/>
+          </a:prstGeom>
+          <a:noFill/>
+        </p:spPr>
+        <p:txBody>
+          <a:bodyPr wrap="square" rtlCol="0">
+            <a:spAutoFit/>
+          </a:bodyPr>
+          <a:lstStyle/>
+          <a:p>
+            <a:r>
+              <a:rPr lang="de-DE" sz="5400" dirty="0"/>
+              <a:t>Versuch</a:t>
+            </a:r>
+          </a:p>
+        </p:txBody>
+      </p:sp>
+      <p:pic>
+        <p:nvPicPr>
+          <p:cNvPr id="2" name="Grafik 1" descr="Ein Bild, das Vogel, Eisvogel, Wildleben, Schnabel enthält.&#10;&#10;Automatisch generierte Beschreibung">
+            <a:extLst>
+              <a:ext uri="{FF2B5EF4-FFF2-40B4-BE49-F238E27FC236}">
+                <a16:creationId xmlns:a16="http://schemas.microsoft.com/office/drawing/2014/main" id="{85D012AE-E701-DBC7-52C6-5FD6FFE6EB8B}"/>
+              </a:ext>
+            </a:extLst>
+          </p:cNvPr>
+          <p:cNvPicPr>
+            <a:picLocks noChangeAspect="1"/>
+          </p:cNvPicPr>
+          <p:nvPr/>
+        </p:nvPicPr>
+        <p:blipFill>
+          <a:blip r:embed="rId2">
+            <a:extLst>
+              <a:ext uri="{28A0092B-C50C-407E-A947-70E740481C1C}">
+                <a14:useLocalDpi xmlns:a14="http://schemas.microsoft.com/office/drawing/2010/main" val="0"/>
+              </a:ext>
+            </a:extLst>
+          </a:blip>
+          <a:stretch>
+            <a:fillRect/>
+          </a:stretch>
+        </p:blipFill>
+        <p:spPr>
+          <a:xfrm>
+            <a:off x="833733" y="2144468"/>
+            <a:ext cx="2562726" cy="1708484"/>
+          </a:xfrm>
+          <a:prstGeom prst="rect">
+            <a:avLst/>
+          </a:prstGeom>
+        </p:spPr>
+      </p:pic>
+      <p:sp>
+        <p:nvSpPr>
+          <p:cNvPr id="3" name="Pfeil: nach rechts 2">
+            <a:extLst>
+              <a:ext uri="{FF2B5EF4-FFF2-40B4-BE49-F238E27FC236}">
+                <a16:creationId xmlns:a16="http://schemas.microsoft.com/office/drawing/2014/main" id="{E4C77EB2-DA76-37B3-C465-E48DCFDDD510}"/>
+              </a:ext>
+            </a:extLst>
+          </p:cNvPr>
+          <p:cNvSpPr/>
+          <p:nvPr/>
+        </p:nvSpPr>
+        <p:spPr>
+          <a:xfrm>
+            <a:off x="3613164" y="2757764"/>
+            <a:ext cx="645459" cy="259976"/>
+          </a:xfrm>
+          <a:prstGeom prst="rightArrow">
+            <a:avLst/>
+          </a:prstGeom>
+        </p:spPr>
+        <p:style>
+          <a:lnRef idx="2">
+            <a:schemeClr val="dk1">
+              <a:shade val="15000"/>
+            </a:schemeClr>
+          </a:lnRef>
+          <a:fillRef idx="1">
+            <a:schemeClr val="dk1"/>
+          </a:fillRef>
+          <a:effectRef idx="0">
+            <a:schemeClr val="dk1"/>
+          </a:effectRef>
+          <a:fontRef idx="minor">
+            <a:schemeClr val="lt1"/>
+          </a:fontRef>
+        </p:style>
+        <p:txBody>
+          <a:bodyPr rtlCol="0" anchor="ctr"/>
+          <a:lstStyle/>
+          <a:p>
+            <a:pPr algn="ctr"/>
+            <a:endParaRPr lang="de-DE" dirty="0"/>
+          </a:p>
+        </p:txBody>
+      </p:sp>
+      <p:sp>
+        <p:nvSpPr>
+          <p:cNvPr id="7" name="Textfeld 6">
+            <a:extLst>
+              <a:ext uri="{FF2B5EF4-FFF2-40B4-BE49-F238E27FC236}">
+                <a16:creationId xmlns:a16="http://schemas.microsoft.com/office/drawing/2014/main" id="{858D19A5-220F-CC6D-2556-25EBD412B3A3}"/>
+              </a:ext>
+            </a:extLst>
+          </p:cNvPr>
+          <p:cNvSpPr txBox="1"/>
+          <p:nvPr/>
+        </p:nvSpPr>
+        <p:spPr>
+          <a:xfrm>
+            <a:off x="1070708" y="1664178"/>
+            <a:ext cx="2088777" cy="369332"/>
+          </a:xfrm>
+          <a:prstGeom prst="rect">
+            <a:avLst/>
+          </a:prstGeom>
+          <a:noFill/>
+          <a:ln>
+            <a:solidFill>
+              <a:schemeClr val="tx1"/>
+            </a:solidFill>
+          </a:ln>
+        </p:spPr>
+        <p:txBody>
+          <a:bodyPr wrap="square" rtlCol="0">
+            <a:spAutoFit/>
+          </a:bodyPr>
+          <a:lstStyle/>
+          <a:p>
+            <a:pPr algn="ctr"/>
+            <a:r>
+              <a:rPr lang="de-DE" dirty="0"/>
+              <a:t>Originalbild (RAW)</a:t>
+            </a:r>
+          </a:p>
+        </p:txBody>
+      </p:sp>
+      <p:pic>
+        <p:nvPicPr>
+          <p:cNvPr id="8" name="Grafik 7" descr="Ein Bild, das Text, Screenshot, Quadrat, Rechteck enthält.&#10;&#10;Automatisch generierte Beschreibung">
+            <a:extLst>
+              <a:ext uri="{FF2B5EF4-FFF2-40B4-BE49-F238E27FC236}">
+                <a16:creationId xmlns:a16="http://schemas.microsoft.com/office/drawing/2014/main" id="{32CD32A9-437D-0AD2-606D-EBB27E433AFB}"/>
+              </a:ext>
+            </a:extLst>
+          </p:cNvPr>
+          <p:cNvPicPr>
+            <a:picLocks noChangeAspect="1"/>
+          </p:cNvPicPr>
+          <p:nvPr/>
+        </p:nvPicPr>
+        <p:blipFill>
+          <a:blip r:embed="rId3">
+            <a:extLst>
+              <a:ext uri="{28A0092B-C50C-407E-A947-70E740481C1C}">
+                <a14:useLocalDpi xmlns:a14="http://schemas.microsoft.com/office/drawing/2010/main" val="0"/>
+              </a:ext>
+            </a:extLst>
+          </a:blip>
+          <a:stretch>
+            <a:fillRect/>
+          </a:stretch>
+        </p:blipFill>
+        <p:spPr>
+          <a:xfrm>
+            <a:off x="4475327" y="2033510"/>
+            <a:ext cx="2413000" cy="1930400"/>
+          </a:xfrm>
+          <a:prstGeom prst="rect">
+            <a:avLst/>
+          </a:prstGeom>
+        </p:spPr>
+      </p:pic>
+      <p:sp>
+        <p:nvSpPr>
+          <p:cNvPr id="10" name="Textfeld 9">
+            <a:extLst>
+              <a:ext uri="{FF2B5EF4-FFF2-40B4-BE49-F238E27FC236}">
+                <a16:creationId xmlns:a16="http://schemas.microsoft.com/office/drawing/2014/main" id="{94818510-6899-4FE6-7BEE-234B41A382D1}"/>
+              </a:ext>
+            </a:extLst>
+          </p:cNvPr>
+          <p:cNvSpPr txBox="1"/>
+          <p:nvPr/>
+        </p:nvSpPr>
+        <p:spPr>
+          <a:xfrm>
+            <a:off x="4637438" y="1664178"/>
+            <a:ext cx="2088777" cy="369332"/>
+          </a:xfrm>
+          <a:prstGeom prst="rect">
+            <a:avLst/>
+          </a:prstGeom>
+          <a:noFill/>
+          <a:ln>
+            <a:solidFill>
+              <a:schemeClr val="tx1"/>
+            </a:solidFill>
+          </a:ln>
+        </p:spPr>
+        <p:txBody>
+          <a:bodyPr wrap="square" rtlCol="0">
+            <a:spAutoFit/>
+          </a:bodyPr>
+          <a:lstStyle/>
+          <a:p>
+            <a:pPr algn="ctr"/>
+            <a:r>
+              <a:rPr lang="de-DE" dirty="0"/>
+              <a:t>RGB-Matrix</a:t>
+            </a:r>
+          </a:p>
+        </p:txBody>
+      </p:sp>
+      <p:sp>
+        <p:nvSpPr>
+          <p:cNvPr id="11" name="Pfeil: nach rechts 10">
+            <a:extLst>
+              <a:ext uri="{FF2B5EF4-FFF2-40B4-BE49-F238E27FC236}">
+                <a16:creationId xmlns:a16="http://schemas.microsoft.com/office/drawing/2014/main" id="{1FD7BCDE-522A-0689-CC70-A9E73EBD6607}"/>
+              </a:ext>
+            </a:extLst>
+          </p:cNvPr>
+          <p:cNvSpPr/>
+          <p:nvPr/>
+        </p:nvSpPr>
+        <p:spPr>
+          <a:xfrm>
+            <a:off x="7105031" y="2738734"/>
+            <a:ext cx="645459" cy="259976"/>
+          </a:xfrm>
+          <a:prstGeom prst="rightArrow">
+            <a:avLst/>
+          </a:prstGeom>
+        </p:spPr>
+        <p:style>
+          <a:lnRef idx="2">
+            <a:schemeClr val="dk1">
+              <a:shade val="15000"/>
+            </a:schemeClr>
+          </a:lnRef>
+          <a:fillRef idx="1">
+            <a:schemeClr val="dk1"/>
+          </a:fillRef>
+          <a:effectRef idx="0">
+            <a:schemeClr val="dk1"/>
+          </a:effectRef>
+          <a:fontRef idx="minor">
+            <a:schemeClr val="lt1"/>
+          </a:fontRef>
+        </p:style>
+        <p:txBody>
+          <a:bodyPr rtlCol="0" anchor="ctr"/>
+          <a:lstStyle/>
+          <a:p>
+            <a:pPr algn="ctr"/>
+            <a:endParaRPr lang="de-DE" dirty="0"/>
+          </a:p>
+        </p:txBody>
+      </p:sp>
+      <p:pic>
+        <p:nvPicPr>
+          <p:cNvPr id="12" name="Grafik 11" descr="Ein Bild, das Screenshot, Schrift, Grafiken, Farbigkeit enthält.&#10;&#10;Automatisch generierte Beschreibung">
+            <a:extLst>
+              <a:ext uri="{FF2B5EF4-FFF2-40B4-BE49-F238E27FC236}">
+                <a16:creationId xmlns:a16="http://schemas.microsoft.com/office/drawing/2014/main" id="{29B9C855-0897-A4D2-C32A-5C5CCE63C41E}"/>
+              </a:ext>
+            </a:extLst>
+          </p:cNvPr>
+          <p:cNvPicPr>
+            <a:picLocks noChangeAspect="1"/>
+          </p:cNvPicPr>
+          <p:nvPr/>
+        </p:nvPicPr>
+        <p:blipFill>
+          <a:blip r:embed="rId4">
+            <a:extLst>
+              <a:ext uri="{28A0092B-C50C-407E-A947-70E740481C1C}">
+                <a14:useLocalDpi xmlns:a14="http://schemas.microsoft.com/office/drawing/2010/main" val="0"/>
+              </a:ext>
+            </a:extLst>
+          </a:blip>
+          <a:stretch>
+            <a:fillRect/>
+          </a:stretch>
+        </p:blipFill>
+        <p:spPr>
+          <a:xfrm>
+            <a:off x="7967194" y="2671616"/>
+            <a:ext cx="3386606" cy="604431"/>
+          </a:xfrm>
+          <a:prstGeom prst="rect">
+            <a:avLst/>
+          </a:prstGeom>
+        </p:spPr>
+      </p:pic>
+      <p:sp>
+        <p:nvSpPr>
+          <p:cNvPr id="13" name="Textfeld 12">
+            <a:extLst>
+              <a:ext uri="{FF2B5EF4-FFF2-40B4-BE49-F238E27FC236}">
+                <a16:creationId xmlns:a16="http://schemas.microsoft.com/office/drawing/2014/main" id="{3518C984-8BFC-CEE2-EC3C-E0578347DD89}"/>
+              </a:ext>
+            </a:extLst>
+          </p:cNvPr>
+          <p:cNvSpPr txBox="1"/>
+          <p:nvPr/>
+        </p:nvSpPr>
+        <p:spPr>
+          <a:xfrm>
+            <a:off x="8517013" y="1664178"/>
+            <a:ext cx="2088777" cy="369332"/>
+          </a:xfrm>
+          <a:prstGeom prst="rect">
+            <a:avLst/>
+          </a:prstGeom>
+          <a:noFill/>
+          <a:ln>
+            <a:solidFill>
+              <a:schemeClr val="tx1"/>
+            </a:solidFill>
+          </a:ln>
+        </p:spPr>
+        <p:txBody>
+          <a:bodyPr wrap="square" rtlCol="0">
+            <a:spAutoFit/>
+          </a:bodyPr>
+          <a:lstStyle/>
+          <a:p>
+            <a:pPr algn="ctr"/>
+            <a:r>
+              <a:rPr lang="de-DE" dirty="0"/>
+              <a:t>RGB-Flat-Array</a:t>
+            </a:r>
+          </a:p>
+        </p:txBody>
+      </p:sp>
+      <p:sp>
+        <p:nvSpPr>
+          <p:cNvPr id="14" name="Pfeil: nach rechts 13">
+            <a:extLst>
+              <a:ext uri="{FF2B5EF4-FFF2-40B4-BE49-F238E27FC236}">
+                <a16:creationId xmlns:a16="http://schemas.microsoft.com/office/drawing/2014/main" id="{C3CC571F-727C-CA60-5262-EC0EBC1E4641}"/>
+              </a:ext>
+            </a:extLst>
+          </p:cNvPr>
+          <p:cNvSpPr/>
+          <p:nvPr/>
+        </p:nvSpPr>
+        <p:spPr>
+          <a:xfrm>
+            <a:off x="3720496" y="4999152"/>
+            <a:ext cx="645459" cy="259976"/>
+          </a:xfrm>
+          <a:prstGeom prst="rightArrow">
+            <a:avLst/>
+          </a:prstGeom>
+        </p:spPr>
+        <p:style>
+          <a:lnRef idx="2">
+            <a:schemeClr val="dk1">
+              <a:shade val="15000"/>
+            </a:schemeClr>
+          </a:lnRef>
+          <a:fillRef idx="1">
+            <a:schemeClr val="dk1"/>
+          </a:fillRef>
+          <a:effectRef idx="0">
+            <a:schemeClr val="dk1"/>
+          </a:effectRef>
+          <a:fontRef idx="minor">
+            <a:schemeClr val="lt1"/>
+          </a:fontRef>
+        </p:style>
+        <p:txBody>
+          <a:bodyPr rtlCol="0" anchor="ctr"/>
+          <a:lstStyle/>
+          <a:p>
+            <a:pPr algn="ctr"/>
+            <a:endParaRPr lang="de-DE" dirty="0"/>
+          </a:p>
+        </p:txBody>
+      </p:sp>
+      <p:sp>
+        <p:nvSpPr>
+          <p:cNvPr id="15" name="Textfeld 14">
+            <a:extLst>
+              <a:ext uri="{FF2B5EF4-FFF2-40B4-BE49-F238E27FC236}">
+                <a16:creationId xmlns:a16="http://schemas.microsoft.com/office/drawing/2014/main" id="{A190D9FD-9965-3CBD-3DC0-0EA8381058F4}"/>
+              </a:ext>
+            </a:extLst>
+          </p:cNvPr>
+          <p:cNvSpPr txBox="1"/>
+          <p:nvPr/>
+        </p:nvSpPr>
+        <p:spPr>
+          <a:xfrm>
+            <a:off x="3289800" y="4485360"/>
+            <a:ext cx="1512745" cy="369332"/>
+          </a:xfrm>
+          <a:prstGeom prst="rect">
+            <a:avLst/>
+          </a:prstGeom>
+          <a:noFill/>
+          <a:ln>
+            <a:solidFill>
+              <a:schemeClr val="tx1"/>
+            </a:solidFill>
+            <a:prstDash val="solid"/>
+          </a:ln>
+        </p:spPr>
+        <p:txBody>
+          <a:bodyPr wrap="square" rtlCol="0">
+            <a:spAutoFit/>
+          </a:bodyPr>
+          <a:lstStyle/>
+          <a:p>
+            <a:pPr algn="ctr"/>
+            <a:r>
+              <a:rPr lang="de-DE" dirty="0"/>
+              <a:t>Kompression</a:t>
+            </a:r>
+          </a:p>
+        </p:txBody>
+      </p:sp>
+      <p:sp>
+        <p:nvSpPr>
+          <p:cNvPr id="16" name="Textfeld 15">
+            <a:extLst>
+              <a:ext uri="{FF2B5EF4-FFF2-40B4-BE49-F238E27FC236}">
+                <a16:creationId xmlns:a16="http://schemas.microsoft.com/office/drawing/2014/main" id="{982A757E-0994-C896-A3CD-1674D0FB1C8C}"/>
+              </a:ext>
+            </a:extLst>
+          </p:cNvPr>
+          <p:cNvSpPr txBox="1"/>
+          <p:nvPr/>
+        </p:nvSpPr>
+        <p:spPr>
+          <a:xfrm>
+            <a:off x="4965237" y="4961528"/>
+            <a:ext cx="2088777" cy="369332"/>
+          </a:xfrm>
+          <a:prstGeom prst="rect">
+            <a:avLst/>
+          </a:prstGeom>
+          <a:solidFill>
+            <a:schemeClr val="bg1">
+              <a:lumMod val="95000"/>
+            </a:schemeClr>
+          </a:solidFill>
+          <a:ln>
+            <a:solidFill>
+              <a:schemeClr val="tx1"/>
+            </a:solidFill>
+          </a:ln>
+        </p:spPr>
+        <p:txBody>
+          <a:bodyPr wrap="square" rtlCol="0">
+            <a:spAutoFit/>
+          </a:bodyPr>
+          <a:lstStyle/>
+          <a:p>
+            <a:pPr algn="ctr"/>
+            <a:r>
+              <a:rPr lang="de-DE" dirty="0"/>
+              <a:t>Komprimiertes Bild</a:t>
+            </a:r>
+          </a:p>
+        </p:txBody>
+      </p:sp>
+      <p:sp>
+        <p:nvSpPr>
+          <p:cNvPr id="17" name="Pfeil: nach rechts 16">
+            <a:extLst>
+              <a:ext uri="{FF2B5EF4-FFF2-40B4-BE49-F238E27FC236}">
+                <a16:creationId xmlns:a16="http://schemas.microsoft.com/office/drawing/2014/main" id="{997E9829-52B9-B4C6-B019-5F51A24660F5}"/>
+              </a:ext>
+            </a:extLst>
+          </p:cNvPr>
+          <p:cNvSpPr/>
+          <p:nvPr/>
+        </p:nvSpPr>
+        <p:spPr>
+          <a:xfrm>
+            <a:off x="7653295" y="5029654"/>
+            <a:ext cx="645459" cy="259976"/>
+          </a:xfrm>
+          <a:prstGeom prst="rightArrow">
+            <a:avLst/>
+          </a:prstGeom>
+        </p:spPr>
+        <p:style>
+          <a:lnRef idx="2">
+            <a:schemeClr val="dk1">
+              <a:shade val="15000"/>
+            </a:schemeClr>
+          </a:lnRef>
+          <a:fillRef idx="1">
+            <a:schemeClr val="dk1"/>
+          </a:fillRef>
+          <a:effectRef idx="0">
+            <a:schemeClr val="dk1"/>
+          </a:effectRef>
+          <a:fontRef idx="minor">
+            <a:schemeClr val="lt1"/>
+          </a:fontRef>
+        </p:style>
+        <p:txBody>
+          <a:bodyPr rtlCol="0" anchor="ctr"/>
+          <a:lstStyle/>
+          <a:p>
+            <a:pPr algn="ctr"/>
+            <a:endParaRPr lang="de-DE" dirty="0"/>
+          </a:p>
+        </p:txBody>
+      </p:sp>
+      <p:sp>
+        <p:nvSpPr>
+          <p:cNvPr id="18" name="Textfeld 17">
+            <a:extLst>
+              <a:ext uri="{FF2B5EF4-FFF2-40B4-BE49-F238E27FC236}">
+                <a16:creationId xmlns:a16="http://schemas.microsoft.com/office/drawing/2014/main" id="{B19005F9-576E-D7BF-566B-3716C7D33A9B}"/>
+              </a:ext>
+            </a:extLst>
+          </p:cNvPr>
+          <p:cNvSpPr txBox="1"/>
+          <p:nvPr/>
+        </p:nvSpPr>
+        <p:spPr>
+          <a:xfrm>
+            <a:off x="7163805" y="4487308"/>
+            <a:ext cx="1624437" cy="369332"/>
+          </a:xfrm>
+          <a:prstGeom prst="rect">
+            <a:avLst/>
+          </a:prstGeom>
+          <a:noFill/>
+          <a:ln>
+            <a:solidFill>
+              <a:schemeClr val="tx1"/>
+            </a:solidFill>
+            <a:prstDash val="solid"/>
+          </a:ln>
+        </p:spPr>
+        <p:txBody>
+          <a:bodyPr wrap="square" rtlCol="0">
+            <a:spAutoFit/>
+          </a:bodyPr>
+          <a:lstStyle/>
+          <a:p>
+            <a:pPr algn="ctr"/>
+            <a:r>
+              <a:rPr lang="de-DE" dirty="0"/>
+              <a:t>Dekompression</a:t>
+            </a:r>
+          </a:p>
+        </p:txBody>
+      </p:sp>
+      <p:sp>
+        <p:nvSpPr>
+          <p:cNvPr id="19" name="Textfeld 18">
+            <a:extLst>
+              <a:ext uri="{FF2B5EF4-FFF2-40B4-BE49-F238E27FC236}">
+                <a16:creationId xmlns:a16="http://schemas.microsoft.com/office/drawing/2014/main" id="{C38FEE21-F641-C11A-9B9F-A6BC4605E458}"/>
+              </a:ext>
+            </a:extLst>
+          </p:cNvPr>
+          <p:cNvSpPr txBox="1"/>
+          <p:nvPr/>
+        </p:nvSpPr>
+        <p:spPr>
+          <a:xfrm>
+            <a:off x="8899479" y="4961528"/>
+            <a:ext cx="2217346" cy="369332"/>
+          </a:xfrm>
+          <a:prstGeom prst="rect">
+            <a:avLst/>
+          </a:prstGeom>
+          <a:solidFill>
+            <a:schemeClr val="bg1">
+              <a:lumMod val="95000"/>
+            </a:schemeClr>
+          </a:solidFill>
+          <a:ln>
+            <a:solidFill>
+              <a:schemeClr val="tx1"/>
+            </a:solidFill>
+          </a:ln>
+        </p:spPr>
+        <p:txBody>
+          <a:bodyPr wrap="square" rtlCol="0">
+            <a:spAutoFit/>
+          </a:bodyPr>
+          <a:lstStyle/>
+          <a:p>
+            <a:pPr algn="ctr"/>
+            <a:r>
+              <a:rPr lang="de-DE" dirty="0"/>
+              <a:t>Dekomprimiertes Bild</a:t>
+            </a:r>
+          </a:p>
+        </p:txBody>
+      </p:sp>
+      <p:sp>
+        <p:nvSpPr>
+          <p:cNvPr id="20" name="Textfeld 19">
+            <a:extLst>
+              <a:ext uri="{FF2B5EF4-FFF2-40B4-BE49-F238E27FC236}">
+                <a16:creationId xmlns:a16="http://schemas.microsoft.com/office/drawing/2014/main" id="{07C103E2-D30E-FC12-322A-4FA46EAFA008}"/>
+              </a:ext>
+            </a:extLst>
+          </p:cNvPr>
+          <p:cNvSpPr txBox="1"/>
+          <p:nvPr/>
+        </p:nvSpPr>
+        <p:spPr>
+          <a:xfrm>
+            <a:off x="1032438" y="4926258"/>
+            <a:ext cx="2088777" cy="369332"/>
+          </a:xfrm>
+          <a:prstGeom prst="rect">
+            <a:avLst/>
+          </a:prstGeom>
+          <a:solidFill>
+            <a:schemeClr val="bg1">
+              <a:lumMod val="95000"/>
+            </a:schemeClr>
+          </a:solidFill>
+          <a:ln>
+            <a:solidFill>
+              <a:schemeClr val="tx1"/>
+            </a:solidFill>
+          </a:ln>
+        </p:spPr>
+        <p:txBody>
+          <a:bodyPr wrap="square" rtlCol="0">
+            <a:spAutoFit/>
+          </a:bodyPr>
+          <a:lstStyle/>
+          <a:p>
+            <a:pPr algn="ctr"/>
+            <a:r>
+              <a:rPr lang="de-DE" dirty="0"/>
+              <a:t>RGB-Flat-Array</a:t>
+            </a:r>
+          </a:p>
+        </p:txBody>
+      </p:sp>
+      <p:sp>
+        <p:nvSpPr>
+          <p:cNvPr id="21" name="Textfeld 20">
+            <a:extLst>
+              <a:ext uri="{FF2B5EF4-FFF2-40B4-BE49-F238E27FC236}">
+                <a16:creationId xmlns:a16="http://schemas.microsoft.com/office/drawing/2014/main" id="{C8034705-FEE9-2F16-E955-3E4DBF33F7A8}"/>
+              </a:ext>
+            </a:extLst>
+          </p:cNvPr>
+          <p:cNvSpPr txBox="1"/>
+          <p:nvPr/>
+        </p:nvSpPr>
+        <p:spPr>
+          <a:xfrm>
+            <a:off x="3289801" y="5477016"/>
+            <a:ext cx="1512744" cy="369332"/>
+          </a:xfrm>
+          <a:prstGeom prst="rect">
+            <a:avLst/>
+          </a:prstGeom>
+          <a:noFill/>
+          <a:ln>
+            <a:solidFill>
+              <a:schemeClr val="tx1"/>
+            </a:solidFill>
+            <a:prstDash val="sysDot"/>
+          </a:ln>
+        </p:spPr>
+        <p:txBody>
+          <a:bodyPr wrap="square" rtlCol="0">
+            <a:spAutoFit/>
+          </a:bodyPr>
+          <a:lstStyle/>
+          <a:p>
+            <a:pPr algn="ctr"/>
+            <a:r>
+              <a:rPr lang="de-DE" dirty="0"/>
+              <a:t>Zeitmessung</a:t>
+            </a:r>
+          </a:p>
+        </p:txBody>
+      </p:sp>
+      <p:sp>
+        <p:nvSpPr>
+          <p:cNvPr id="22" name="Textfeld 21">
+            <a:extLst>
+              <a:ext uri="{FF2B5EF4-FFF2-40B4-BE49-F238E27FC236}">
+                <a16:creationId xmlns:a16="http://schemas.microsoft.com/office/drawing/2014/main" id="{7379ABE7-C2DC-1A2A-5785-1FFD39B25384}"/>
+              </a:ext>
+            </a:extLst>
+          </p:cNvPr>
+          <p:cNvSpPr txBox="1"/>
+          <p:nvPr/>
+        </p:nvSpPr>
+        <p:spPr>
+          <a:xfrm>
+            <a:off x="4965237" y="5477016"/>
+            <a:ext cx="2097057" cy="369332"/>
+          </a:xfrm>
+          <a:prstGeom prst="rect">
+            <a:avLst/>
+          </a:prstGeom>
+          <a:noFill/>
+          <a:ln>
+            <a:solidFill>
+              <a:schemeClr val="tx1"/>
+            </a:solidFill>
+            <a:prstDash val="sysDot"/>
+          </a:ln>
+        </p:spPr>
+        <p:txBody>
+          <a:bodyPr wrap="square" rtlCol="0">
+            <a:spAutoFit/>
+          </a:bodyPr>
+          <a:lstStyle/>
+          <a:p>
+            <a:pPr algn="ctr"/>
+            <a:r>
+              <a:rPr lang="de-DE" dirty="0"/>
+              <a:t>Kompressionsrate</a:t>
+            </a:r>
+          </a:p>
+        </p:txBody>
+      </p:sp>
+      <p:sp>
+        <p:nvSpPr>
+          <p:cNvPr id="23" name="Textfeld 22">
+            <a:extLst>
+              <a:ext uri="{FF2B5EF4-FFF2-40B4-BE49-F238E27FC236}">
+                <a16:creationId xmlns:a16="http://schemas.microsoft.com/office/drawing/2014/main" id="{D46119F8-A724-91FB-5280-5CEDA2946A33}"/>
+              </a:ext>
+            </a:extLst>
+          </p:cNvPr>
+          <p:cNvSpPr txBox="1"/>
+          <p:nvPr/>
+        </p:nvSpPr>
+        <p:spPr>
+          <a:xfrm>
+            <a:off x="7163805" y="5478688"/>
+            <a:ext cx="1624437" cy="369332"/>
+          </a:xfrm>
+          <a:prstGeom prst="rect">
+            <a:avLst/>
+          </a:prstGeom>
+          <a:noFill/>
+          <a:ln>
+            <a:solidFill>
+              <a:schemeClr val="tx1"/>
+            </a:solidFill>
+            <a:prstDash val="sysDot"/>
+          </a:ln>
+        </p:spPr>
+        <p:txBody>
+          <a:bodyPr wrap="square" rtlCol="0">
+            <a:spAutoFit/>
+          </a:bodyPr>
+          <a:lstStyle/>
+          <a:p>
+            <a:pPr algn="ctr"/>
+            <a:r>
+              <a:rPr lang="de-DE" dirty="0"/>
+              <a:t>Zeitmessung</a:t>
+            </a:r>
+          </a:p>
+        </p:txBody>
+      </p:sp>
+    </p:spTree>
+    <p:extLst>
+      <p:ext uri="{BB962C8B-B14F-4D97-AF65-F5344CB8AC3E}">
+        <p14:creationId xmlns:p14="http://schemas.microsoft.com/office/powerpoint/2010/main" val="2469581423"/>
       </p:ext>
     </p:extLst>
   </p:cSld>
@@ -6641,7 +7547,7 @@
           <a:p>
             <a:r>
               <a:rPr lang="de-DE" sz="5400" dirty="0"/>
-              <a:t>Probleme</a:t>
+              <a:t>Aktueller Stand</a:t>
             </a:r>
           </a:p>
         </p:txBody>
@@ -6836,36 +7742,103 @@
             </a:lvl9pPr>
           </a:lstStyle>
           <a:p>
+            <a:pPr marL="0" indent="0">
+              <a:buNone/>
+            </a:pPr>
             <a:r>
               <a:rPr lang="de-DE" dirty="0"/>
-              <a:t>Implementierung der Algorithmen ist nicht trivial</a:t>
-            </a:r>
-          </a:p>
-          <a:p>
-            <a:r>
-              <a:rPr lang="de-DE" dirty="0"/>
-              <a:t>Große Matrizen sind eine Herausforderung </a:t>
-            </a:r>
-            <a:br>
-              <a:rPr lang="de-DE" dirty="0"/>
-            </a:br>
-            <a:r>
-              <a:rPr lang="de-DE" dirty="0"/>
-              <a:t>(Python ist high-level Sprache) </a:t>
-            </a:r>
-          </a:p>
-          <a:p>
-            <a:r>
-              <a:rPr lang="de-DE" dirty="0"/>
-              <a:t>Kompressionsalgorithmen werden normalerweise nicht auf Bilddaten angewandt, manuelle Konvertierung und Anpassung an das Problem</a:t>
-            </a:r>
-          </a:p>
-        </p:txBody>
-      </p:sp>
+              <a:t>Code läuft, erste Ergebnisse auf Testbild:</a:t>
+            </a:r>
+          </a:p>
+          <a:p>
+            <a:pPr marL="0" indent="0">
+              <a:buNone/>
+            </a:pPr>
+            <a:endParaRPr lang="de-DE" dirty="0"/>
+          </a:p>
+          <a:p>
+            <a:pPr marL="0" indent="0">
+              <a:buNone/>
+            </a:pPr>
+            <a:endParaRPr lang="de-DE" dirty="0"/>
+          </a:p>
+        </p:txBody>
+      </p:sp>
+      <p:pic>
+        <p:nvPicPr>
+          <p:cNvPr id="8" name="Grafik 7">
+            <a:extLst>
+              <a:ext uri="{FF2B5EF4-FFF2-40B4-BE49-F238E27FC236}">
+                <a16:creationId xmlns:a16="http://schemas.microsoft.com/office/drawing/2014/main" id="{3D9A4182-70B0-3DBD-D537-520DF319E7EF}"/>
+              </a:ext>
+            </a:extLst>
+          </p:cNvPr>
+          <p:cNvPicPr>
+            <a:picLocks noChangeAspect="1"/>
+          </p:cNvPicPr>
+          <p:nvPr/>
+        </p:nvPicPr>
+        <p:blipFill>
+          <a:blip r:embed="rId2">
+            <a:extLst>
+              <a:ext uri="{28A0092B-C50C-407E-A947-70E740481C1C}">
+                <a14:useLocalDpi xmlns:a14="http://schemas.microsoft.com/office/drawing/2010/main" val="0"/>
+              </a:ext>
+            </a:extLst>
+          </a:blip>
+          <a:srcRect/>
+          <a:stretch/>
+        </p:blipFill>
+        <p:spPr>
+          <a:xfrm>
+            <a:off x="1024388" y="3472106"/>
+            <a:ext cx="10143224" cy="1974787"/>
+          </a:xfrm>
+          <a:prstGeom prst="rect">
+            <a:avLst/>
+          </a:prstGeom>
+        </p:spPr>
+      </p:pic>
+      <p:pic>
+        <p:nvPicPr>
+          <p:cNvPr id="11" name="Grafik 10" descr="Ein Bild, das Text, Screenshot, Display, Schrift enthält.&#10;&#10;Automatisch generierte Beschreibung">
+            <a:extLst>
+              <a:ext uri="{FF2B5EF4-FFF2-40B4-BE49-F238E27FC236}">
+                <a16:creationId xmlns:a16="http://schemas.microsoft.com/office/drawing/2014/main" id="{91B2D1F6-D99C-517D-04F5-BA0B89F4FC57}"/>
+              </a:ext>
+            </a:extLst>
+          </p:cNvPr>
+          <p:cNvPicPr>
+            <a:picLocks noChangeAspect="1"/>
+          </p:cNvPicPr>
+          <p:nvPr/>
+        </p:nvPicPr>
+        <p:blipFill>
+          <a:blip r:embed="rId3">
+            <a:extLst>
+              <a:ext uri="{28A0092B-C50C-407E-A947-70E740481C1C}">
+                <a14:useLocalDpi xmlns:a14="http://schemas.microsoft.com/office/drawing/2010/main" val="0"/>
+              </a:ext>
+            </a:extLst>
+          </a:blip>
+          <a:stretch>
+            <a:fillRect/>
+          </a:stretch>
+        </p:blipFill>
+        <p:spPr>
+          <a:xfrm>
+            <a:off x="7819292" y="1190929"/>
+            <a:ext cx="2282308" cy="1734071"/>
+          </a:xfrm>
+          <a:prstGeom prst="rect">
+            <a:avLst/>
+          </a:prstGeom>
+        </p:spPr>
+      </p:pic>
     </p:spTree>
     <p:extLst>
       <p:ext uri="{BB962C8B-B14F-4D97-AF65-F5344CB8AC3E}">
-        <p14:creationId xmlns:p14="http://schemas.microsoft.com/office/powerpoint/2010/main" val="3395505949"/>
+        <p14:creationId xmlns:p14="http://schemas.microsoft.com/office/powerpoint/2010/main" val="3385906201"/>
       </p:ext>
     </p:extLst>
   </p:cSld>
@@ -6980,7 +7953,7 @@
           <a:p>
             <a:r>
               <a:rPr lang="de-DE" sz="5400" dirty="0"/>
-              <a:t>Quellen</a:t>
+              <a:t>Probleme</a:t>
             </a:r>
           </a:p>
         </p:txBody>
@@ -7177,65 +8150,26 @@
           <a:p>
             <a:r>
               <a:rPr lang="de-DE" dirty="0"/>
-              <a:t>W3C Algorithmus Spezifikationen</a:t>
-            </a:r>
-          </a:p>
-          <a:p>
-            <a:endParaRPr lang="de-DE" dirty="0"/>
-          </a:p>
-          <a:p>
-            <a:pPr marL="0" indent="0">
-              <a:buNone/>
-            </a:pPr>
+              <a:t>Implementierung der Algorithmen ist nicht trivial</a:t>
+            </a:r>
+          </a:p>
+          <a:p>
             <a:r>
               <a:rPr lang="de-DE" dirty="0"/>
-              <a:t>Informationstheorie:</a:t>
-            </a:r>
-          </a:p>
-          <a:p>
-            <a:r>
-              <a:rPr lang="de-DE" i="1" dirty="0">
-                <a:solidFill>
-                  <a:srgbClr val="202122"/>
-                </a:solidFill>
-              </a:rPr>
-              <a:t>Informations- und Codierungstheorie. Mathematische Grundlagen der Daten-Kompression und -Sicherung in diskreten Kommunikationssystemen. </a:t>
-            </a:r>
-            <a:r>
-              <a:rPr lang="de-DE" dirty="0">
-                <a:solidFill>
-                  <a:srgbClr val="202122"/>
-                </a:solidFill>
-              </a:rPr>
-              <a:t>(</a:t>
-            </a:r>
-            <a:r>
-              <a:rPr lang="de-DE" sz="2400" b="0" dirty="0">
-                <a:solidFill>
-                  <a:srgbClr val="202122"/>
-                </a:solidFill>
-                <a:effectLst/>
-                <a:latin typeface="Arial" panose="020B0604020202020204" pitchFamily="34" charset="0"/>
-              </a:rPr>
-              <a:t>Werner Heise, Pasquale </a:t>
-            </a:r>
-            <a:r>
-              <a:rPr lang="de-DE" sz="2400" b="0" dirty="0" err="1">
-                <a:solidFill>
-                  <a:srgbClr val="202122"/>
-                </a:solidFill>
-                <a:effectLst/>
-                <a:latin typeface="Arial" panose="020B0604020202020204" pitchFamily="34" charset="0"/>
-              </a:rPr>
-              <a:t>Quattrocchi</a:t>
-            </a:r>
-            <a:r>
-              <a:rPr lang="de-DE" dirty="0">
-                <a:solidFill>
-                  <a:srgbClr val="202122"/>
-                </a:solidFill>
-              </a:rPr>
-              <a:t>)</a:t>
+              <a:t>Große Matrizen sind eine Herausforderung </a:t>
+            </a:r>
+            <a:br>
+              <a:rPr lang="de-DE" dirty="0"/>
+            </a:br>
+            <a:r>
+              <a:rPr lang="de-DE" dirty="0"/>
+              <a:t>(Python ist high-level Sprache) </a:t>
+            </a:r>
+          </a:p>
+          <a:p>
+            <a:r>
+              <a:rPr lang="de-DE" dirty="0"/>
+              <a:t>Kompressionsalgorithmen werden normalerweise nicht auf Bilddaten angewandt, manuelle Konvertierung und Anpassung an das Problem</a:t>
             </a:r>
           </a:p>
         </p:txBody>
@@ -7243,7 +8177,7 @@
     </p:spTree>
     <p:extLst>
       <p:ext uri="{BB962C8B-B14F-4D97-AF65-F5344CB8AC3E}">
-        <p14:creationId xmlns:p14="http://schemas.microsoft.com/office/powerpoint/2010/main" val="1151055018"/>
+        <p14:creationId xmlns:p14="http://schemas.microsoft.com/office/powerpoint/2010/main" val="3395505949"/>
       </p:ext>
     </p:extLst>
   </p:cSld>
